--- a/SE499/Lectures/2/Projects.pptx
+++ b/SE499/Lectures/2/Projects.pptx
@@ -248,7 +248,7 @@
           <a:p>
             <a:fld id="{41DA9887-9249-49FD-809A-BACB264048C3}" type="datetimeFigureOut">
               <a:rPr lang="en-US" smtClean="0"/>
-              <a:t>8/30/2023</a:t>
+              <a:t>8/31/2023</a:t>
             </a:fld>
             <a:endParaRPr lang="en-US"/>
           </a:p>
@@ -650,7 +650,7 @@
           <a:p>
             <a:fld id="{EF213E56-3C1A-435A-851B-5B1F221C2038}" type="datetime1">
               <a:rPr lang="en-US" smtClean="0"/>
-              <a:t>8/30/2023</a:t>
+              <a:t>8/31/2023</a:t>
             </a:fld>
             <a:endParaRPr lang="en-US"/>
           </a:p>
@@ -929,7 +929,7 @@
           <a:p>
             <a:fld id="{B4696837-4851-4AA6-8AED-554226C981D1}" type="datetime1">
               <a:rPr lang="en-US" smtClean="0"/>
-              <a:t>8/30/2023</a:t>
+              <a:t>8/31/2023</a:t>
             </a:fld>
             <a:endParaRPr lang="en-US"/>
           </a:p>
@@ -1107,7 +1107,7 @@
           <a:p>
             <a:fld id="{BADD32E1-BB70-4827-BA33-FF5AFC435BE9}" type="datetime1">
               <a:rPr lang="en-US" smtClean="0"/>
-              <a:t>8/30/2023</a:t>
+              <a:t>8/31/2023</a:t>
             </a:fld>
             <a:endParaRPr lang="en-US"/>
           </a:p>
@@ -1353,7 +1353,7 @@
             </a:pPr>
             <a:fld id="{40B9EAF6-54F2-4DF5-9C6B-3F6F95B86356}" type="datetime1">
               <a:rPr lang="en-US" smtClean="0"/>
-              <a:t>8/30/2023</a:t>
+              <a:t>8/31/2023</a:t>
             </a:fld>
             <a:endParaRPr lang="en-US"/>
           </a:p>
@@ -1534,7 +1534,7 @@
             </a:pPr>
             <a:fld id="{D3D64A56-6FF4-479A-8655-719A18A98C4B}" type="datetime1">
               <a:rPr lang="en-US" smtClean="0"/>
-              <a:t>8/30/2023</a:t>
+              <a:t>8/31/2023</a:t>
             </a:fld>
             <a:endParaRPr lang="en-US"/>
           </a:p>
@@ -1812,7 +1812,7 @@
           <a:p>
             <a:fld id="{BB961044-FC46-4CBC-9061-59528F4899F3}" type="datetime1">
               <a:rPr lang="en-US" smtClean="0"/>
-              <a:t>8/30/2023</a:t>
+              <a:t>8/31/2023</a:t>
             </a:fld>
             <a:endParaRPr lang="en-US"/>
           </a:p>
@@ -2156,7 +2156,7 @@
           <a:p>
             <a:fld id="{4466A08C-77F3-471E-A5C4-1D2068144BAC}" type="datetime1">
               <a:rPr lang="en-US" smtClean="0"/>
-              <a:t>8/30/2023</a:t>
+              <a:t>8/31/2023</a:t>
             </a:fld>
             <a:endParaRPr lang="en-US"/>
           </a:p>
@@ -2385,7 +2385,7 @@
           <a:p>
             <a:fld id="{B90A7AD1-16F4-44C3-AE32-24C59A599E9D}" type="datetime1">
               <a:rPr lang="en-US" smtClean="0"/>
-              <a:t>8/30/2023</a:t>
+              <a:t>8/31/2023</a:t>
             </a:fld>
             <a:endParaRPr lang="en-US"/>
           </a:p>
@@ -2749,7 +2749,7 @@
           <a:p>
             <a:fld id="{B583DB4F-4316-4DF5-A229-BC1D787C82A0}" type="datetime1">
               <a:rPr lang="en-US" smtClean="0"/>
-              <a:t>8/30/2023</a:t>
+              <a:t>8/31/2023</a:t>
             </a:fld>
             <a:endParaRPr lang="en-US"/>
           </a:p>
@@ -2844,7 +2844,7 @@
           <a:p>
             <a:fld id="{AE6064B7-7A9F-432D-B7B9-6824267AA574}" type="datetime1">
               <a:rPr lang="en-US" smtClean="0"/>
-              <a:t>8/30/2023</a:t>
+              <a:t>8/31/2023</a:t>
             </a:fld>
             <a:endParaRPr lang="en-US"/>
           </a:p>
@@ -3066,7 +3066,7 @@
             <a:fld id="{B2F5E2FA-C428-4CE7-95B0-168D3259A5BB}" type="datetimeFigureOut">
               <a:rPr lang="en-US" smtClean="0"/>
               <a:pPr/>
-              <a:t>8/30/2023</a:t>
+              <a:t>8/31/2023</a:t>
             </a:fld>
             <a:endParaRPr lang="en-US"/>
           </a:p>
@@ -3237,7 +3237,7 @@
           <a:p>
             <a:fld id="{4E1C93A2-B712-486A-8AB5-D41B95D547BE}" type="datetime1">
               <a:rPr lang="en-US" smtClean="0"/>
-              <a:t>8/30/2023</a:t>
+              <a:t>8/31/2023</a:t>
             </a:fld>
             <a:endParaRPr lang="en-US"/>
           </a:p>
@@ -3512,7 +3512,7 @@
           <a:p>
             <a:fld id="{CAB2F318-F19F-4608-B7EF-F7FB8A482213}" type="datetime1">
               <a:rPr lang="en-US" smtClean="0"/>
-              <a:t>8/30/2023</a:t>
+              <a:t>8/31/2023</a:t>
             </a:fld>
             <a:endParaRPr lang="en-US"/>
           </a:p>
@@ -3764,7 +3764,7 @@
           <a:p>
             <a:fld id="{BB9CEF8C-69D6-4C3E-B892-F682F307A7B6}" type="datetime1">
               <a:rPr lang="en-US" smtClean="0"/>
-              <a:t>8/30/2023</a:t>
+              <a:t>8/31/2023</a:t>
             </a:fld>
             <a:endParaRPr lang="en-US"/>
           </a:p>
@@ -3975,7 +3975,7 @@
           <a:p>
             <a:fld id="{FB737C73-4A31-4C17-AFB7-7B8470027787}" type="datetime1">
               <a:rPr lang="en-US" smtClean="0"/>
-              <a:t>8/30/2023</a:t>
+              <a:t>8/31/2023</a:t>
             </a:fld>
             <a:endParaRPr lang="en-US"/>
           </a:p>
@@ -6259,7 +6259,6 @@
               <a:rPr lang="en-US" dirty="0"/>
               <a:t>develop knowledge, skills, and attitudes in the sequence of courses that help them to integrate previous course work and to successfully plan, control, and implement design projects.</a:t>
             </a:r>
-            <a:endParaRPr lang="en-US" dirty="0"/>
           </a:p>
         </p:txBody>
       </p:sp>
@@ -7392,7 +7391,6 @@
               <a:rPr lang="en-US" dirty="0"/>
               <a:t>Project Identification</a:t>
             </a:r>
-            <a:endParaRPr lang="en-US" dirty="0"/>
           </a:p>
         </p:txBody>
       </p:sp>
@@ -7477,7 +7475,6 @@
               <a:rPr lang="en-US" dirty="0"/>
               <a:t>project should be feasible and the size of the project should fit the designated time and the available resources.</a:t>
             </a:r>
-            <a:endParaRPr lang="en-US" dirty="0"/>
           </a:p>
         </p:txBody>
       </p:sp>

--- a/SE499/Lectures/2/Projects.pptx
+++ b/SE499/Lectures/2/Projects.pptx
@@ -248,7 +248,7 @@
           <a:p>
             <a:fld id="{41DA9887-9249-49FD-809A-BACB264048C3}" type="datetimeFigureOut">
               <a:rPr lang="en-US" smtClean="0"/>
-              <a:t>8/31/2023</a:t>
+              <a:t>9/4/2023</a:t>
             </a:fld>
             <a:endParaRPr lang="en-US"/>
           </a:p>
@@ -650,7 +650,7 @@
           <a:p>
             <a:fld id="{EF213E56-3C1A-435A-851B-5B1F221C2038}" type="datetime1">
               <a:rPr lang="en-US" smtClean="0"/>
-              <a:t>8/31/2023</a:t>
+              <a:t>9/4/2023</a:t>
             </a:fld>
             <a:endParaRPr lang="en-US"/>
           </a:p>
@@ -929,7 +929,7 @@
           <a:p>
             <a:fld id="{B4696837-4851-4AA6-8AED-554226C981D1}" type="datetime1">
               <a:rPr lang="en-US" smtClean="0"/>
-              <a:t>8/31/2023</a:t>
+              <a:t>9/4/2023</a:t>
             </a:fld>
             <a:endParaRPr lang="en-US"/>
           </a:p>
@@ -1107,7 +1107,7 @@
           <a:p>
             <a:fld id="{BADD32E1-BB70-4827-BA33-FF5AFC435BE9}" type="datetime1">
               <a:rPr lang="en-US" smtClean="0"/>
-              <a:t>8/31/2023</a:t>
+              <a:t>9/4/2023</a:t>
             </a:fld>
             <a:endParaRPr lang="en-US"/>
           </a:p>
@@ -1353,7 +1353,7 @@
             </a:pPr>
             <a:fld id="{40B9EAF6-54F2-4DF5-9C6B-3F6F95B86356}" type="datetime1">
               <a:rPr lang="en-US" smtClean="0"/>
-              <a:t>8/31/2023</a:t>
+              <a:t>9/4/2023</a:t>
             </a:fld>
             <a:endParaRPr lang="en-US"/>
           </a:p>
@@ -1534,7 +1534,7 @@
             </a:pPr>
             <a:fld id="{D3D64A56-6FF4-479A-8655-719A18A98C4B}" type="datetime1">
               <a:rPr lang="en-US" smtClean="0"/>
-              <a:t>8/31/2023</a:t>
+              <a:t>9/4/2023</a:t>
             </a:fld>
             <a:endParaRPr lang="en-US"/>
           </a:p>
@@ -1812,7 +1812,7 @@
           <a:p>
             <a:fld id="{BB961044-FC46-4CBC-9061-59528F4899F3}" type="datetime1">
               <a:rPr lang="en-US" smtClean="0"/>
-              <a:t>8/31/2023</a:t>
+              <a:t>9/4/2023</a:t>
             </a:fld>
             <a:endParaRPr lang="en-US"/>
           </a:p>
@@ -2156,7 +2156,7 @@
           <a:p>
             <a:fld id="{4466A08C-77F3-471E-A5C4-1D2068144BAC}" type="datetime1">
               <a:rPr lang="en-US" smtClean="0"/>
-              <a:t>8/31/2023</a:t>
+              <a:t>9/4/2023</a:t>
             </a:fld>
             <a:endParaRPr lang="en-US"/>
           </a:p>
@@ -2385,7 +2385,7 @@
           <a:p>
             <a:fld id="{B90A7AD1-16F4-44C3-AE32-24C59A599E9D}" type="datetime1">
               <a:rPr lang="en-US" smtClean="0"/>
-              <a:t>8/31/2023</a:t>
+              <a:t>9/4/2023</a:t>
             </a:fld>
             <a:endParaRPr lang="en-US"/>
           </a:p>
@@ -2749,7 +2749,7 @@
           <a:p>
             <a:fld id="{B583DB4F-4316-4DF5-A229-BC1D787C82A0}" type="datetime1">
               <a:rPr lang="en-US" smtClean="0"/>
-              <a:t>8/31/2023</a:t>
+              <a:t>9/4/2023</a:t>
             </a:fld>
             <a:endParaRPr lang="en-US"/>
           </a:p>
@@ -2844,7 +2844,7 @@
           <a:p>
             <a:fld id="{AE6064B7-7A9F-432D-B7B9-6824267AA574}" type="datetime1">
               <a:rPr lang="en-US" smtClean="0"/>
-              <a:t>8/31/2023</a:t>
+              <a:t>9/4/2023</a:t>
             </a:fld>
             <a:endParaRPr lang="en-US"/>
           </a:p>
@@ -3066,7 +3066,7 @@
             <a:fld id="{B2F5E2FA-C428-4CE7-95B0-168D3259A5BB}" type="datetimeFigureOut">
               <a:rPr lang="en-US" smtClean="0"/>
               <a:pPr/>
-              <a:t>8/31/2023</a:t>
+              <a:t>9/4/2023</a:t>
             </a:fld>
             <a:endParaRPr lang="en-US"/>
           </a:p>
@@ -3237,7 +3237,7 @@
           <a:p>
             <a:fld id="{4E1C93A2-B712-486A-8AB5-D41B95D547BE}" type="datetime1">
               <a:rPr lang="en-US" smtClean="0"/>
-              <a:t>8/31/2023</a:t>
+              <a:t>9/4/2023</a:t>
             </a:fld>
             <a:endParaRPr lang="en-US"/>
           </a:p>
@@ -3512,7 +3512,7 @@
           <a:p>
             <a:fld id="{CAB2F318-F19F-4608-B7EF-F7FB8A482213}" type="datetime1">
               <a:rPr lang="en-US" smtClean="0"/>
-              <a:t>8/31/2023</a:t>
+              <a:t>9/4/2023</a:t>
             </a:fld>
             <a:endParaRPr lang="en-US"/>
           </a:p>
@@ -3764,7 +3764,7 @@
           <a:p>
             <a:fld id="{BB9CEF8C-69D6-4C3E-B892-F682F307A7B6}" type="datetime1">
               <a:rPr lang="en-US" smtClean="0"/>
-              <a:t>8/31/2023</a:t>
+              <a:t>9/4/2023</a:t>
             </a:fld>
             <a:endParaRPr lang="en-US"/>
           </a:p>
@@ -3975,7 +3975,7 @@
           <a:p>
             <a:fld id="{FB737C73-4A31-4C17-AFB7-7B8470027787}" type="datetime1">
               <a:rPr lang="en-US" smtClean="0"/>
-              <a:t>8/31/2023</a:t>
+              <a:t>9/4/2023</a:t>
             </a:fld>
             <a:endParaRPr lang="en-US"/>
           </a:p>

--- a/SE499/Lectures/2/Projects.pptx
+++ b/SE499/Lectures/2/Projects.pptx
@@ -5,7 +5,7 @@
     <p:sldMasterId id="2147483648" r:id="rId1"/>
   </p:sldMasterIdLst>
   <p:notesMasterIdLst>
-    <p:notesMasterId r:id="rId25"/>
+    <p:notesMasterId r:id="rId33"/>
   </p:notesMasterIdLst>
   <p:sldIdLst>
     <p:sldId id="256" r:id="rId2"/>
@@ -17,8 +17,8 @@
     <p:sldId id="769" r:id="rId8"/>
     <p:sldId id="768" r:id="rId9"/>
     <p:sldId id="770" r:id="rId10"/>
-    <p:sldId id="771" r:id="rId11"/>
-    <p:sldId id="772" r:id="rId12"/>
+    <p:sldId id="772" r:id="rId11"/>
+    <p:sldId id="771" r:id="rId12"/>
     <p:sldId id="773" r:id="rId13"/>
     <p:sldId id="774" r:id="rId14"/>
     <p:sldId id="775" r:id="rId15"/>
@@ -29,8 +29,16 @@
     <p:sldId id="780" r:id="rId20"/>
     <p:sldId id="781" r:id="rId21"/>
     <p:sldId id="782" r:id="rId22"/>
-    <p:sldId id="783" r:id="rId23"/>
-    <p:sldId id="784" r:id="rId24"/>
+    <p:sldId id="786" r:id="rId23"/>
+    <p:sldId id="787" r:id="rId24"/>
+    <p:sldId id="788" r:id="rId25"/>
+    <p:sldId id="789" r:id="rId26"/>
+    <p:sldId id="790" r:id="rId27"/>
+    <p:sldId id="791" r:id="rId28"/>
+    <p:sldId id="792" r:id="rId29"/>
+    <p:sldId id="783" r:id="rId30"/>
+    <p:sldId id="784" r:id="rId31"/>
+    <p:sldId id="785" r:id="rId32"/>
   </p:sldIdLst>
   <p:sldSz cx="12192000" cy="6858000"/>
   <p:notesSz cx="6858000" cy="9144000"/>
@@ -248,7 +256,7 @@
           <a:p>
             <a:fld id="{41DA9887-9249-49FD-809A-BACB264048C3}" type="datetimeFigureOut">
               <a:rPr lang="en-US" smtClean="0"/>
-              <a:t>9/4/2023</a:t>
+              <a:t>1/13/2024</a:t>
             </a:fld>
             <a:endParaRPr lang="en-US"/>
           </a:p>
@@ -650,7 +658,7 @@
           <a:p>
             <a:fld id="{EF213E56-3C1A-435A-851B-5B1F221C2038}" type="datetime1">
               <a:rPr lang="en-US" smtClean="0"/>
-              <a:t>9/4/2023</a:t>
+              <a:t>1/13/2024</a:t>
             </a:fld>
             <a:endParaRPr lang="en-US"/>
           </a:p>
@@ -929,7 +937,7 @@
           <a:p>
             <a:fld id="{B4696837-4851-4AA6-8AED-554226C981D1}" type="datetime1">
               <a:rPr lang="en-US" smtClean="0"/>
-              <a:t>9/4/2023</a:t>
+              <a:t>1/13/2024</a:t>
             </a:fld>
             <a:endParaRPr lang="en-US"/>
           </a:p>
@@ -1107,7 +1115,7 @@
           <a:p>
             <a:fld id="{BADD32E1-BB70-4827-BA33-FF5AFC435BE9}" type="datetime1">
               <a:rPr lang="en-US" smtClean="0"/>
-              <a:t>9/4/2023</a:t>
+              <a:t>1/13/2024</a:t>
             </a:fld>
             <a:endParaRPr lang="en-US"/>
           </a:p>
@@ -1206,10 +1214,9 @@
           <a:lstStyle/>
           <a:p>
             <a:r>
-              <a:rPr lang="en-US" smtClean="0"/>
+              <a:rPr lang="en-US"/>
               <a:t>Click to edit Master title style</a:t>
             </a:r>
-            <a:endParaRPr lang="en-US"/>
           </a:p>
         </p:txBody>
       </p:sp>
@@ -1235,38 +1242,37 @@
           <a:p>
             <a:pPr lvl="0"/>
             <a:r>
-              <a:rPr lang="en-US" smtClean="0"/>
+              <a:rPr lang="en-US"/>
               <a:t>Click to edit Master text styles</a:t>
             </a:r>
           </a:p>
           <a:p>
             <a:pPr lvl="1"/>
             <a:r>
-              <a:rPr lang="en-US" smtClean="0"/>
+              <a:rPr lang="en-US"/>
               <a:t>Second level</a:t>
             </a:r>
           </a:p>
           <a:p>
             <a:pPr lvl="2"/>
             <a:r>
-              <a:rPr lang="en-US" smtClean="0"/>
+              <a:rPr lang="en-US"/>
               <a:t>Third level</a:t>
             </a:r>
           </a:p>
           <a:p>
             <a:pPr lvl="3"/>
             <a:r>
-              <a:rPr lang="en-US" smtClean="0"/>
+              <a:rPr lang="en-US"/>
               <a:t>Fourth level</a:t>
             </a:r>
           </a:p>
           <a:p>
             <a:pPr lvl="4"/>
             <a:r>
-              <a:rPr lang="en-US" smtClean="0"/>
+              <a:rPr lang="en-US"/>
               <a:t>Fifth level</a:t>
             </a:r>
-            <a:endParaRPr lang="en-US"/>
           </a:p>
         </p:txBody>
       </p:sp>
@@ -1292,38 +1298,37 @@
           <a:p>
             <a:pPr lvl="0"/>
             <a:r>
-              <a:rPr lang="en-US" smtClean="0"/>
+              <a:rPr lang="en-US"/>
               <a:t>Click to edit Master text styles</a:t>
             </a:r>
           </a:p>
           <a:p>
             <a:pPr lvl="1"/>
             <a:r>
-              <a:rPr lang="en-US" smtClean="0"/>
+              <a:rPr lang="en-US"/>
               <a:t>Second level</a:t>
             </a:r>
           </a:p>
           <a:p>
             <a:pPr lvl="2"/>
             <a:r>
-              <a:rPr lang="en-US" smtClean="0"/>
+              <a:rPr lang="en-US"/>
               <a:t>Third level</a:t>
             </a:r>
           </a:p>
           <a:p>
             <a:pPr lvl="3"/>
             <a:r>
-              <a:rPr lang="en-US" smtClean="0"/>
+              <a:rPr lang="en-US"/>
               <a:t>Fourth level</a:t>
             </a:r>
           </a:p>
           <a:p>
             <a:pPr lvl="4"/>
             <a:r>
-              <a:rPr lang="en-US" smtClean="0"/>
+              <a:rPr lang="en-US"/>
               <a:t>Fifth level</a:t>
             </a:r>
-            <a:endParaRPr lang="en-US"/>
           </a:p>
         </p:txBody>
       </p:sp>
@@ -1353,7 +1358,7 @@
             </a:pPr>
             <a:fld id="{40B9EAF6-54F2-4DF5-9C6B-3F6F95B86356}" type="datetime1">
               <a:rPr lang="en-US" smtClean="0"/>
-              <a:t>9/4/2023</a:t>
+              <a:t>1/13/2024</a:t>
             </a:fld>
             <a:endParaRPr lang="en-US"/>
           </a:p>
@@ -1476,10 +1481,9 @@
           <a:lstStyle/>
           <a:p>
             <a:r>
-              <a:rPr lang="en-US" smtClean="0"/>
+              <a:rPr lang="en-US"/>
               <a:t>Click to edit Master title style</a:t>
             </a:r>
-            <a:endParaRPr lang="en-US"/>
           </a:p>
         </p:txBody>
       </p:sp>
@@ -1504,7 +1508,7 @@
           <a:lstStyle/>
           <a:p>
             <a:pPr lvl="0"/>
-            <a:endParaRPr lang="en-US" noProof="0" dirty="0" smtClean="0"/>
+            <a:endParaRPr lang="en-US" noProof="0" dirty="0"/>
           </a:p>
         </p:txBody>
       </p:sp>
@@ -1534,7 +1538,7 @@
             </a:pPr>
             <a:fld id="{D3D64A56-6FF4-479A-8655-719A18A98C4B}" type="datetime1">
               <a:rPr lang="en-US" smtClean="0"/>
-              <a:t>9/4/2023</a:t>
+              <a:t>1/13/2024</a:t>
             </a:fld>
             <a:endParaRPr lang="en-US"/>
           </a:p>
@@ -1812,7 +1816,7 @@
           <a:p>
             <a:fld id="{BB961044-FC46-4CBC-9061-59528F4899F3}" type="datetime1">
               <a:rPr lang="en-US" smtClean="0"/>
-              <a:t>9/4/2023</a:t>
+              <a:t>1/13/2024</a:t>
             </a:fld>
             <a:endParaRPr lang="en-US"/>
           </a:p>
@@ -2156,7 +2160,7 @@
           <a:p>
             <a:fld id="{4466A08C-77F3-471E-A5C4-1D2068144BAC}" type="datetime1">
               <a:rPr lang="en-US" smtClean="0"/>
-              <a:t>9/4/2023</a:t>
+              <a:t>1/13/2024</a:t>
             </a:fld>
             <a:endParaRPr lang="en-US"/>
           </a:p>
@@ -2385,7 +2389,7 @@
           <a:p>
             <a:fld id="{B90A7AD1-16F4-44C3-AE32-24C59A599E9D}" type="datetime1">
               <a:rPr lang="en-US" smtClean="0"/>
-              <a:t>9/4/2023</a:t>
+              <a:t>1/13/2024</a:t>
             </a:fld>
             <a:endParaRPr lang="en-US"/>
           </a:p>
@@ -2749,7 +2753,7 @@
           <a:p>
             <a:fld id="{B583DB4F-4316-4DF5-A229-BC1D787C82A0}" type="datetime1">
               <a:rPr lang="en-US" smtClean="0"/>
-              <a:t>9/4/2023</a:t>
+              <a:t>1/13/2024</a:t>
             </a:fld>
             <a:endParaRPr lang="en-US"/>
           </a:p>
@@ -2844,7 +2848,7 @@
           <a:p>
             <a:fld id="{AE6064B7-7A9F-432D-B7B9-6824267AA574}" type="datetime1">
               <a:rPr lang="en-US" smtClean="0"/>
-              <a:t>9/4/2023</a:t>
+              <a:t>1/13/2024</a:t>
             </a:fld>
             <a:endParaRPr lang="en-US"/>
           </a:p>
@@ -3066,7 +3070,7 @@
             <a:fld id="{B2F5E2FA-C428-4CE7-95B0-168D3259A5BB}" type="datetimeFigureOut">
               <a:rPr lang="en-US" smtClean="0"/>
               <a:pPr/>
-              <a:t>9/4/2023</a:t>
+              <a:t>1/13/2024</a:t>
             </a:fld>
             <a:endParaRPr lang="en-US"/>
           </a:p>
@@ -3237,7 +3241,7 @@
           <a:p>
             <a:fld id="{4E1C93A2-B712-486A-8AB5-D41B95D547BE}" type="datetime1">
               <a:rPr lang="en-US" smtClean="0"/>
-              <a:t>9/4/2023</a:t>
+              <a:t>1/13/2024</a:t>
             </a:fld>
             <a:endParaRPr lang="en-US"/>
           </a:p>
@@ -3512,7 +3516,7 @@
           <a:p>
             <a:fld id="{CAB2F318-F19F-4608-B7EF-F7FB8A482213}" type="datetime1">
               <a:rPr lang="en-US" smtClean="0"/>
-              <a:t>9/4/2023</a:t>
+              <a:t>1/13/2024</a:t>
             </a:fld>
             <a:endParaRPr lang="en-US"/>
           </a:p>
@@ -3764,7 +3768,7 @@
           <a:p>
             <a:fld id="{BB9CEF8C-69D6-4C3E-B892-F682F307A7B6}" type="datetime1">
               <a:rPr lang="en-US" smtClean="0"/>
-              <a:t>9/4/2023</a:t>
+              <a:t>1/13/2024</a:t>
             </a:fld>
             <a:endParaRPr lang="en-US"/>
           </a:p>
@@ -3975,7 +3979,7 @@
           <a:p>
             <a:fld id="{FB737C73-4A31-4C17-AFB7-7B8470027787}" type="datetime1">
               <a:rPr lang="en-US" smtClean="0"/>
-              <a:t>9/4/2023</a:t>
+              <a:t>1/13/2024</a:t>
             </a:fld>
             <a:endParaRPr lang="en-US"/>
           </a:p>
@@ -4082,13 +4086,6 @@
     <p:sldLayoutId id="2147483660" r:id="rId12"/>
     <p:sldLayoutId id="2147483661" r:id="rId13"/>
   </p:sldLayoutIdLst>
-  <p:timing>
-    <p:tnLst>
-      <p:par>
-        <p:cTn id="1" dur="indefinite" restart="never" nodeType="tmRoot"/>
-      </p:par>
-    </p:tnLst>
-  </p:timing>
   <p:hf hdr="0" ftr="0" dt="0"/>
   <p:txStyles>
     <p:titleStyle>
@@ -4411,10 +4408,9 @@
           <a:lstStyle/>
           <a:p>
             <a:r>
-              <a:rPr lang="en-US" dirty="0" smtClean="0"/>
+              <a:rPr lang="en-US" dirty="0"/>
               <a:t>Projects</a:t>
             </a:r>
-            <a:endParaRPr lang="en-US" dirty="0"/>
           </a:p>
         </p:txBody>
       </p:sp>
@@ -4441,12 +4437,8 @@
           <a:lstStyle/>
           <a:p>
             <a:r>
-              <a:rPr lang="en-US" sz="2800" dirty="0" smtClean="0"/>
-              <a:t>SE499</a:t>
-            </a:r>
-            <a:r>
               <a:rPr lang="en-US" sz="2800" dirty="0"/>
-              <a:t>: Software Design &amp; Development Project</a:t>
+              <a:t>SE499: Software Design &amp; Development Project</a:t>
             </a:r>
           </a:p>
         </p:txBody>
@@ -4484,13 +4476,6 @@
   <p:clrMapOvr>
     <a:masterClrMapping/>
   </p:clrMapOvr>
-  <p:timing>
-    <p:tnLst>
-      <p:par>
-        <p:cTn id="1" dur="indefinite" restart="never" nodeType="tmRoot"/>
-      </p:par>
-    </p:tnLst>
-  </p:timing>
 </p:sld>
 </file>
 
@@ -4513,7 +4498,13 @@
       </p:grpSpPr>
       <p:sp>
         <p:nvSpPr>
-          <p:cNvPr id="2" name="Title 1"/>
+          <p:cNvPr id="2" name="Title 1">
+            <a:extLst>
+              <a:ext uri="{FF2B5EF4-FFF2-40B4-BE49-F238E27FC236}">
+                <a16:creationId xmlns:a16="http://schemas.microsoft.com/office/drawing/2014/main" id="{F82A5DB0-E59C-488F-DB48-120F89FB5E3A}"/>
+              </a:ext>
+            </a:extLst>
+          </p:cNvPr>
           <p:cNvSpPr>
             <a:spLocks noGrp="1"/>
           </p:cNvSpPr>
@@ -4528,14 +4519,20 @@
           <a:p>
             <a:r>
               <a:rPr lang="en-US" dirty="0"/>
-              <a:t>Course Analytics and Reporting System</a:t>
-            </a:r>
-          </a:p>
-        </p:txBody>
-      </p:sp>
-      <p:sp>
-        <p:nvSpPr>
-          <p:cNvPr id="3" name="Content Placeholder 2"/>
+              <a:t>Fraud detection system</a:t>
+            </a:r>
+          </a:p>
+        </p:txBody>
+      </p:sp>
+      <p:sp>
+        <p:nvSpPr>
+          <p:cNvPr id="3" name="Content Placeholder 2">
+            <a:extLst>
+              <a:ext uri="{FF2B5EF4-FFF2-40B4-BE49-F238E27FC236}">
+                <a16:creationId xmlns:a16="http://schemas.microsoft.com/office/drawing/2014/main" id="{81623251-174F-B456-19B6-3751C4412949}"/>
+              </a:ext>
+            </a:extLst>
+          </p:cNvPr>
           <p:cNvSpPr>
             <a:spLocks noGrp="1"/>
           </p:cNvSpPr>
@@ -4552,74 +4549,48 @@
           <a:p>
             <a:r>
               <a:rPr lang="en-US" dirty="0"/>
-              <a:t>The system should have the following features:</a:t>
-            </a:r>
-          </a:p>
-          <a:p>
-            <a:pPr marL="914400" lvl="1" indent="-457200">
-              <a:buFont typeface="+mj-lt"/>
-              <a:buAutoNum type="arabicPeriod"/>
-            </a:pPr>
-            <a:r>
-              <a:rPr lang="en-US" dirty="0" smtClean="0"/>
-              <a:t>Data integration</a:t>
-            </a:r>
-            <a:endParaRPr lang="en-US" dirty="0"/>
-          </a:p>
-          <a:p>
-            <a:pPr marL="914400" lvl="1" indent="-457200">
-              <a:buFont typeface="+mj-lt"/>
-              <a:buAutoNum type="arabicPeriod"/>
-            </a:pPr>
-            <a:r>
-              <a:rPr lang="en-US" dirty="0" smtClean="0"/>
-              <a:t>Data analysis</a:t>
-            </a:r>
-          </a:p>
-          <a:p>
-            <a:pPr marL="914400" lvl="1" indent="-457200">
-              <a:buFont typeface="+mj-lt"/>
-              <a:buAutoNum type="arabicPeriod"/>
-            </a:pPr>
-            <a:r>
-              <a:rPr lang="en-US" dirty="0" smtClean="0"/>
-              <a:t>Reporting</a:t>
-            </a:r>
-          </a:p>
-          <a:p>
-            <a:pPr marL="914400" lvl="1" indent="-457200">
-              <a:buFont typeface="+mj-lt"/>
-              <a:buAutoNum type="arabicPeriod"/>
-            </a:pPr>
-            <a:r>
-              <a:rPr lang="en-US" dirty="0" smtClean="0"/>
-              <a:t>Visualization</a:t>
-            </a:r>
-          </a:p>
-          <a:p>
-            <a:pPr marL="914400" lvl="1" indent="-457200">
-              <a:buFont typeface="+mj-lt"/>
-              <a:buAutoNum type="arabicPeriod"/>
-            </a:pPr>
-            <a:r>
-              <a:rPr lang="en-US" dirty="0" smtClean="0"/>
-              <a:t>Security </a:t>
-            </a:r>
-            <a:r>
-              <a:rPr lang="en-US" dirty="0"/>
-              <a:t>and </a:t>
-            </a:r>
-            <a:r>
-              <a:rPr lang="en-US" dirty="0" smtClean="0"/>
-              <a:t>privacy</a:t>
-            </a:r>
-            <a:endParaRPr lang="en-US" dirty="0"/>
-          </a:p>
-        </p:txBody>
-      </p:sp>
-      <p:sp>
-        <p:nvSpPr>
-          <p:cNvPr id="4" name="Slide Number Placeholder 3"/>
+              <a:t>High-level features:</a:t>
+            </a:r>
+          </a:p>
+          <a:p>
+            <a:pPr lvl="1"/>
+            <a:r>
+              <a:rPr lang="en-US" dirty="0"/>
+              <a:t>Data Ingestion: The system will be able to ingest large amounts of historical banking data, including transaction data, customer information, and other relevant data points.</a:t>
+            </a:r>
+          </a:p>
+          <a:p>
+            <a:pPr lvl="1"/>
+            <a:r>
+              <a:rPr lang="en-US" dirty="0"/>
+              <a:t>Machine Learning Models: The system will use machine learning algorithms, such as decision trees, random forests, and neural networks, to identify patterns and anomalies in the data that may indicate fraudulent activity.</a:t>
+            </a:r>
+          </a:p>
+          <a:p>
+            <a:pPr lvl="1"/>
+            <a:r>
+              <a:rPr lang="en-US" dirty="0"/>
+              <a:t>Real-Time Transaction Monitoring: The system will be able to monitor real-time transactions and flag potential fraudulent activity as it occurs.</a:t>
+            </a:r>
+          </a:p>
+          <a:p>
+            <a:pPr lvl="1"/>
+            <a:r>
+              <a:rPr lang="en-US" dirty="0"/>
+              <a:t>Customizable Rules: The system will allow users to set custom rules and thresholds for fraud detection, allowing for greater flexibility and accuracy.</a:t>
+            </a:r>
+          </a:p>
+        </p:txBody>
+      </p:sp>
+      <p:sp>
+        <p:nvSpPr>
+          <p:cNvPr id="4" name="Slide Number Placeholder 3">
+            <a:extLst>
+              <a:ext uri="{FF2B5EF4-FFF2-40B4-BE49-F238E27FC236}">
+                <a16:creationId xmlns:a16="http://schemas.microsoft.com/office/drawing/2014/main" id="{D3CDA84C-60F3-841C-05A9-47D548843325}"/>
+              </a:ext>
+            </a:extLst>
+          </p:cNvPr>
           <p:cNvSpPr>
             <a:spLocks noGrp="1"/>
           </p:cNvSpPr>
@@ -4644,7 +4615,7 @@
     </p:spTree>
     <p:extLst>
       <p:ext uri="{BB962C8B-B14F-4D97-AF65-F5344CB8AC3E}">
-        <p14:creationId xmlns:p14="http://schemas.microsoft.com/office/powerpoint/2010/main" val="3949496096"/>
+        <p14:creationId xmlns:p14="http://schemas.microsoft.com/office/powerpoint/2010/main" val="2696510184"/>
       </p:ext>
     </p:extLst>
   </p:cSld>
@@ -4673,7 +4644,13 @@
       </p:grpSpPr>
       <p:sp>
         <p:nvSpPr>
-          <p:cNvPr id="2" name="Title 1"/>
+          <p:cNvPr id="2" name="Title 1">
+            <a:extLst>
+              <a:ext uri="{FF2B5EF4-FFF2-40B4-BE49-F238E27FC236}">
+                <a16:creationId xmlns:a16="http://schemas.microsoft.com/office/drawing/2014/main" id="{F82A5DB0-E59C-488F-DB48-120F89FB5E3A}"/>
+              </a:ext>
+            </a:extLst>
+          </p:cNvPr>
           <p:cNvSpPr>
             <a:spLocks noGrp="1"/>
           </p:cNvSpPr>
@@ -4688,14 +4665,20 @@
           <a:p>
             <a:r>
               <a:rPr lang="en-US" dirty="0"/>
-              <a:t>Course Analytics and Reporting System</a:t>
-            </a:r>
-          </a:p>
-        </p:txBody>
-      </p:sp>
-      <p:sp>
-        <p:nvSpPr>
-          <p:cNvPr id="3" name="Content Placeholder 2"/>
+              <a:t>Fraud detection system</a:t>
+            </a:r>
+          </a:p>
+        </p:txBody>
+      </p:sp>
+      <p:sp>
+        <p:nvSpPr>
+          <p:cNvPr id="3" name="Content Placeholder 2">
+            <a:extLst>
+              <a:ext uri="{FF2B5EF4-FFF2-40B4-BE49-F238E27FC236}">
+                <a16:creationId xmlns:a16="http://schemas.microsoft.com/office/drawing/2014/main" id="{81623251-174F-B456-19B6-3751C4412949}"/>
+              </a:ext>
+            </a:extLst>
+          </p:cNvPr>
           <p:cNvSpPr>
             <a:spLocks noGrp="1"/>
           </p:cNvSpPr>
@@ -4712,79 +4695,41 @@
           <a:p>
             <a:r>
               <a:rPr lang="en-US" dirty="0"/>
-              <a:t>The expected outcomes of this project include:</a:t>
-            </a:r>
-          </a:p>
-          <a:p>
-            <a:pPr marL="914400" lvl="1" indent="-457200">
-              <a:buFont typeface="+mj-lt"/>
-              <a:buAutoNum type="arabicPeriod"/>
-            </a:pPr>
-            <a:r>
-              <a:rPr lang="en-US" dirty="0" smtClean="0"/>
-              <a:t>Improved </a:t>
-            </a:r>
-            <a:r>
-              <a:rPr lang="en-US" dirty="0"/>
-              <a:t>course </a:t>
-            </a:r>
-            <a:r>
-              <a:rPr lang="en-US" dirty="0" smtClean="0"/>
-              <a:t>effectiveness</a:t>
-            </a:r>
-          </a:p>
-          <a:p>
-            <a:pPr marL="914400" lvl="1" indent="-457200">
-              <a:buFont typeface="+mj-lt"/>
-              <a:buAutoNum type="arabicPeriod"/>
-            </a:pPr>
-            <a:r>
-              <a:rPr lang="en-US" dirty="0" smtClean="0"/>
-              <a:t>Enhanced </a:t>
-            </a:r>
-            <a:r>
-              <a:rPr lang="en-US" dirty="0"/>
-              <a:t>student </a:t>
-            </a:r>
-            <a:r>
-              <a:rPr lang="en-US" dirty="0" smtClean="0"/>
-              <a:t>engagement</a:t>
-            </a:r>
-          </a:p>
-          <a:p>
-            <a:pPr marL="914400" lvl="1" indent="-457200">
-              <a:buFont typeface="+mj-lt"/>
-              <a:buAutoNum type="arabicPeriod"/>
-            </a:pPr>
-            <a:r>
-              <a:rPr lang="en-US" dirty="0" smtClean="0"/>
-              <a:t>Better </a:t>
-            </a:r>
-            <a:r>
-              <a:rPr lang="en-US" dirty="0"/>
-              <a:t>decision </a:t>
-            </a:r>
-            <a:r>
-              <a:rPr lang="en-US" dirty="0" smtClean="0"/>
-              <a:t>making</a:t>
-            </a:r>
-          </a:p>
-          <a:p>
-            <a:pPr marL="914400" lvl="1" indent="-457200">
-              <a:buFont typeface="+mj-lt"/>
-              <a:buAutoNum type="arabicPeriod"/>
-            </a:pPr>
-            <a:r>
-              <a:rPr lang="en-US" dirty="0" smtClean="0"/>
-              <a:t>Increased efficiency</a:t>
-            </a:r>
-            <a:endParaRPr lang="en-US" dirty="0"/>
-          </a:p>
-        </p:txBody>
-      </p:sp>
-      <p:sp>
-        <p:nvSpPr>
-          <p:cNvPr id="4" name="Slide Number Placeholder 3"/>
+              <a:t>High-level features:</a:t>
+            </a:r>
+          </a:p>
+          <a:p>
+            <a:pPr lvl="1"/>
+            <a:r>
+              <a:rPr lang="en-US" dirty="0"/>
+              <a:t>Integration with Banking Systems: The system will be able to integrate with existing banking systems, such as core banking systems and online banking platforms, to access data and perform transactions.</a:t>
+            </a:r>
+          </a:p>
+          <a:p>
+            <a:pPr lvl="1"/>
+            <a:r>
+              <a:rPr lang="en-US" dirty="0"/>
+              <a:t>User Interface: The system will have an intuitive user interface that allows users to easily view and analyze transaction data, monitor fraud alerts, and adjust system settings.</a:t>
+            </a:r>
+          </a:p>
+          <a:p>
+            <a:pPr lvl="1"/>
+            <a:r>
+              <a:rPr lang="en-US" dirty="0"/>
+              <a:t>Reporting and Analytics: The system will have robust reporting and analytics capabilities, allowing users to generate detailed reports on fraudulent activity and system performance.</a:t>
+            </a:r>
+          </a:p>
+        </p:txBody>
+      </p:sp>
+      <p:sp>
+        <p:nvSpPr>
+          <p:cNvPr id="4" name="Slide Number Placeholder 3">
+            <a:extLst>
+              <a:ext uri="{FF2B5EF4-FFF2-40B4-BE49-F238E27FC236}">
+                <a16:creationId xmlns:a16="http://schemas.microsoft.com/office/drawing/2014/main" id="{D3CDA84C-60F3-841C-05A9-47D548843325}"/>
+              </a:ext>
+            </a:extLst>
+          </p:cNvPr>
           <p:cNvSpPr>
             <a:spLocks noGrp="1"/>
           </p:cNvSpPr>
@@ -4809,7 +4754,7 @@
     </p:spTree>
     <p:extLst>
       <p:ext uri="{BB962C8B-B14F-4D97-AF65-F5344CB8AC3E}">
-        <p14:creationId xmlns:p14="http://schemas.microsoft.com/office/powerpoint/2010/main" val="335268081"/>
+        <p14:creationId xmlns:p14="http://schemas.microsoft.com/office/powerpoint/2010/main" val="3403363548"/>
       </p:ext>
     </p:extLst>
   </p:cSld>
@@ -4838,12 +4783,46 @@
       </p:grpSpPr>
       <p:sp>
         <p:nvSpPr>
-          <p:cNvPr id="2" name="Title 1"/>
+          <p:cNvPr id="2" name="Title 1">
+            <a:extLst>
+              <a:ext uri="{FF2B5EF4-FFF2-40B4-BE49-F238E27FC236}">
+                <a16:creationId xmlns:a16="http://schemas.microsoft.com/office/drawing/2014/main" id="{F82A5DB0-E59C-488F-DB48-120F89FB5E3A}"/>
+              </a:ext>
+            </a:extLst>
+          </p:cNvPr>
           <p:cNvSpPr>
             <a:spLocks noGrp="1"/>
           </p:cNvSpPr>
           <p:nvPr>
             <p:ph type="title"/>
+          </p:nvPr>
+        </p:nvSpPr>
+        <p:spPr/>
+        <p:txBody>
+          <a:bodyPr/>
+          <a:lstStyle/>
+          <a:p>
+            <a:r>
+              <a:rPr lang="en-US" dirty="0"/>
+              <a:t>Fraud detection system</a:t>
+            </a:r>
+          </a:p>
+        </p:txBody>
+      </p:sp>
+      <p:sp>
+        <p:nvSpPr>
+          <p:cNvPr id="3" name="Content Placeholder 2">
+            <a:extLst>
+              <a:ext uri="{FF2B5EF4-FFF2-40B4-BE49-F238E27FC236}">
+                <a16:creationId xmlns:a16="http://schemas.microsoft.com/office/drawing/2014/main" id="{81623251-174F-B456-19B6-3751C4412949}"/>
+              </a:ext>
+            </a:extLst>
+          </p:cNvPr>
+          <p:cNvSpPr>
+            <a:spLocks noGrp="1"/>
+          </p:cNvSpPr>
+          <p:nvPr>
+            <p:ph idx="1"/>
           </p:nvPr>
         </p:nvSpPr>
         <p:spPr/>
@@ -4855,63 +4834,69 @@
           <a:p>
             <a:r>
               <a:rPr lang="en-US" dirty="0"/>
-              <a:t>Student Placement </a:t>
-            </a:r>
-            <a:r>
-              <a:rPr lang="en-US" dirty="0" smtClean="0"/>
-              <a:t>System</a:t>
-            </a:r>
-            <a:endParaRPr lang="en-US" dirty="0"/>
-          </a:p>
-        </p:txBody>
-      </p:sp>
-      <p:sp>
-        <p:nvSpPr>
-          <p:cNvPr id="3" name="Content Placeholder 2"/>
-          <p:cNvSpPr>
-            <a:spLocks noGrp="1"/>
-          </p:cNvSpPr>
-          <p:nvPr>
-            <p:ph idx="1"/>
-          </p:nvPr>
-        </p:nvSpPr>
-        <p:spPr/>
-        <p:txBody>
-          <a:bodyPr/>
-          <a:lstStyle/>
-          <a:p>
-            <a:r>
-              <a:rPr lang="en-US" dirty="0"/>
-              <a:t>The goal of this project is to create a student placement system that helps students near graduation find suitable jobs and employers based on their skills, qualifications, and interests. </a:t>
-            </a:r>
-            <a:endParaRPr lang="en-US" dirty="0" smtClean="0"/>
-          </a:p>
-          <a:p>
-            <a:r>
-              <a:rPr lang="en-US" dirty="0" smtClean="0"/>
-              <a:t>The </a:t>
-            </a:r>
-            <a:r>
-              <a:rPr lang="en-US" dirty="0"/>
-              <a:t>system should provide a platform for students to build their profiles, showcase their academic records, volunteering experience, and student clubs activities, and match them with relevant job openings. </a:t>
-            </a:r>
-            <a:endParaRPr lang="en-US" dirty="0" smtClean="0"/>
-          </a:p>
-          <a:p>
-            <a:r>
-              <a:rPr lang="en-US" dirty="0" smtClean="0"/>
-              <a:t>The </a:t>
-            </a:r>
-            <a:r>
-              <a:rPr lang="en-US" dirty="0"/>
-              <a:t>system aims to streamline the job search process for students and employers, reduce the time and effort spent on recruitment, and improve the overall placement process.</a:t>
-            </a:r>
-          </a:p>
-        </p:txBody>
-      </p:sp>
-      <p:sp>
-        <p:nvSpPr>
-          <p:cNvPr id="4" name="Slide Number Placeholder 3"/>
+              <a:t>Expected outcomes:</a:t>
+            </a:r>
+          </a:p>
+          <a:p>
+            <a:pPr lvl="1"/>
+            <a:r>
+              <a:rPr lang="en-US" dirty="0"/>
+              <a:t>Improved Fraud Detection Accuracy</a:t>
+            </a:r>
+          </a:p>
+          <a:p>
+            <a:pPr lvl="1"/>
+            <a:r>
+              <a:rPr lang="en-US" dirty="0"/>
+              <a:t>Provide real-time alerts to users when potential fraudulent activity is detected</a:t>
+            </a:r>
+          </a:p>
+          <a:p>
+            <a:pPr lvl="1"/>
+            <a:r>
+              <a:rPr lang="en-US" dirty="0"/>
+              <a:t>Customizable rules that allow users to tailor the system to their specific needs and risk tolerance</a:t>
+            </a:r>
+          </a:p>
+          <a:p>
+            <a:pPr lvl="1"/>
+            <a:r>
+              <a:rPr lang="en-US" dirty="0"/>
+              <a:t>Integration with Existing Systems</a:t>
+            </a:r>
+          </a:p>
+          <a:p>
+            <a:pPr lvl="1"/>
+            <a:r>
+              <a:rPr lang="en-US" dirty="0"/>
+              <a:t>Improved Customer Experience</a:t>
+            </a:r>
+          </a:p>
+          <a:p>
+            <a:pPr lvl="1"/>
+            <a:r>
+              <a:rPr lang="en-US" dirty="0"/>
+              <a:t>Scalability</a:t>
+            </a:r>
+          </a:p>
+          <a:p>
+            <a:pPr lvl="1"/>
+            <a:r>
+              <a:rPr lang="en-US" dirty="0"/>
+              <a:t>Reduced Operational Costs</a:t>
+            </a:r>
+          </a:p>
+        </p:txBody>
+      </p:sp>
+      <p:sp>
+        <p:nvSpPr>
+          <p:cNvPr id="4" name="Slide Number Placeholder 3">
+            <a:extLst>
+              <a:ext uri="{FF2B5EF4-FFF2-40B4-BE49-F238E27FC236}">
+                <a16:creationId xmlns:a16="http://schemas.microsoft.com/office/drawing/2014/main" id="{D3CDA84C-60F3-841C-05A9-47D548843325}"/>
+              </a:ext>
+            </a:extLst>
+          </p:cNvPr>
           <p:cNvSpPr>
             <a:spLocks noGrp="1"/>
           </p:cNvSpPr>
@@ -4936,7 +4921,7 @@
     </p:spTree>
     <p:extLst>
       <p:ext uri="{BB962C8B-B14F-4D97-AF65-F5344CB8AC3E}">
-        <p14:creationId xmlns:p14="http://schemas.microsoft.com/office/powerpoint/2010/main" val="1327019453"/>
+        <p14:creationId xmlns:p14="http://schemas.microsoft.com/office/powerpoint/2010/main" val="452703308"/>
       </p:ext>
     </p:extLst>
   </p:cSld>
@@ -4965,7 +4950,13 @@
       </p:grpSpPr>
       <p:sp>
         <p:nvSpPr>
-          <p:cNvPr id="2" name="Title 1"/>
+          <p:cNvPr id="2" name="Title 1">
+            <a:extLst>
+              <a:ext uri="{FF2B5EF4-FFF2-40B4-BE49-F238E27FC236}">
+                <a16:creationId xmlns:a16="http://schemas.microsoft.com/office/drawing/2014/main" id="{FC1BD025-E6F8-95D7-E809-766FDDEC3A11}"/>
+              </a:ext>
+            </a:extLst>
+          </p:cNvPr>
           <p:cNvSpPr>
             <a:spLocks noGrp="1"/>
           </p:cNvSpPr>
@@ -4975,26 +4966,25 @@
         </p:nvSpPr>
         <p:spPr/>
         <p:txBody>
-          <a:bodyPr>
-            <a:normAutofit/>
-          </a:bodyPr>
-          <a:lstStyle/>
-          <a:p>
-            <a:r>
-              <a:rPr lang="en-US" dirty="0"/>
-              <a:t>Student Placement </a:t>
-            </a:r>
-            <a:r>
-              <a:rPr lang="en-US" dirty="0" smtClean="0"/>
-              <a:t>System</a:t>
-            </a:r>
-            <a:endParaRPr lang="en-US" dirty="0"/>
-          </a:p>
-        </p:txBody>
-      </p:sp>
-      <p:sp>
-        <p:nvSpPr>
-          <p:cNvPr id="3" name="Content Placeholder 2"/>
+          <a:bodyPr/>
+          <a:lstStyle/>
+          <a:p>
+            <a:r>
+              <a:rPr lang="en-US" dirty="0"/>
+              <a:t>Financial planning and investment advisory</a:t>
+            </a:r>
+          </a:p>
+        </p:txBody>
+      </p:sp>
+      <p:sp>
+        <p:nvSpPr>
+          <p:cNvPr id="3" name="Content Placeholder 2">
+            <a:extLst>
+              <a:ext uri="{FF2B5EF4-FFF2-40B4-BE49-F238E27FC236}">
+                <a16:creationId xmlns:a16="http://schemas.microsoft.com/office/drawing/2014/main" id="{BA29FF3F-D1F3-A735-A467-63668C7DCC86}"/>
+              </a:ext>
+            </a:extLst>
+          </p:cNvPr>
           <p:cNvSpPr>
             <a:spLocks noGrp="1"/>
           </p:cNvSpPr>
@@ -5004,95 +4994,31 @@
         </p:nvSpPr>
         <p:spPr/>
         <p:txBody>
-          <a:bodyPr>
-            <a:normAutofit/>
-          </a:bodyPr>
-          <a:lstStyle/>
-          <a:p>
-            <a:r>
-              <a:rPr lang="en-US" dirty="0"/>
-              <a:t>Main Features:</a:t>
-            </a:r>
-          </a:p>
-          <a:p>
-            <a:pPr lvl="1"/>
-            <a:r>
-              <a:rPr lang="en-US" dirty="0" smtClean="0"/>
-              <a:t>Student </a:t>
-            </a:r>
-            <a:r>
-              <a:rPr lang="en-US" dirty="0"/>
-              <a:t>Profile </a:t>
-            </a:r>
-            <a:r>
-              <a:rPr lang="en-US" dirty="0" smtClean="0"/>
-              <a:t>Building</a:t>
-            </a:r>
-          </a:p>
-          <a:p>
-            <a:pPr lvl="1"/>
-            <a:r>
-              <a:rPr lang="en-US" dirty="0" smtClean="0"/>
-              <a:t>Job Matching</a:t>
-            </a:r>
-          </a:p>
-          <a:p>
-            <a:pPr lvl="1"/>
-            <a:r>
-              <a:rPr lang="en-US" dirty="0" smtClean="0"/>
-              <a:t>Job Recommendations</a:t>
-            </a:r>
-          </a:p>
-          <a:p>
-            <a:pPr lvl="1"/>
-            <a:r>
-              <a:rPr lang="en-US" dirty="0" smtClean="0"/>
-              <a:t>Resume </a:t>
-            </a:r>
-            <a:r>
-              <a:rPr lang="en-US" dirty="0"/>
-              <a:t>and Cover Letter </a:t>
-            </a:r>
-            <a:r>
-              <a:rPr lang="en-US" dirty="0" smtClean="0"/>
-              <a:t>Building</a:t>
-            </a:r>
-          </a:p>
-          <a:p>
-            <a:pPr lvl="1"/>
-            <a:r>
-              <a:rPr lang="en-US" dirty="0" smtClean="0"/>
-              <a:t>Employer Profiling</a:t>
-            </a:r>
-          </a:p>
-          <a:p>
-            <a:pPr lvl="1"/>
-            <a:r>
-              <a:rPr lang="en-US" dirty="0" smtClean="0"/>
-              <a:t>Interview Scheduling</a:t>
-            </a:r>
-          </a:p>
-          <a:p>
-            <a:pPr lvl="1"/>
-            <a:r>
-              <a:rPr lang="en-US" dirty="0" smtClean="0"/>
-              <a:t>Feedback </a:t>
-            </a:r>
-            <a:r>
-              <a:rPr lang="en-US" dirty="0"/>
-              <a:t>and </a:t>
-            </a:r>
-            <a:r>
-              <a:rPr lang="en-US" dirty="0" smtClean="0"/>
-              <a:t>Rating</a:t>
-            </a:r>
-            <a:endParaRPr lang="en-US" dirty="0"/>
-          </a:p>
-        </p:txBody>
-      </p:sp>
-      <p:sp>
-        <p:nvSpPr>
-          <p:cNvPr id="4" name="Slide Number Placeholder 3"/>
+          <a:bodyPr/>
+          <a:lstStyle/>
+          <a:p>
+            <a:r>
+              <a:rPr lang="en-US" dirty="0"/>
+              <a:t>The system is designed to provide personalized investment advice to users in Saudi Arabia using open banking data. </a:t>
+            </a:r>
+          </a:p>
+          <a:p>
+            <a:r>
+              <a:rPr lang="en-US" dirty="0"/>
+              <a:t>The platform will offer features such as portfolio management, risk management, and goal-based investment planning to help users make informed investment decisions.</a:t>
+            </a:r>
+          </a:p>
+        </p:txBody>
+      </p:sp>
+      <p:sp>
+        <p:nvSpPr>
+          <p:cNvPr id="4" name="Slide Number Placeholder 3">
+            <a:extLst>
+              <a:ext uri="{FF2B5EF4-FFF2-40B4-BE49-F238E27FC236}">
+                <a16:creationId xmlns:a16="http://schemas.microsoft.com/office/drawing/2014/main" id="{CEC0C92A-7804-97E3-82EE-FA3B8493B04D}"/>
+              </a:ext>
+            </a:extLst>
+          </p:cNvPr>
           <p:cNvSpPr>
             <a:spLocks noGrp="1"/>
           </p:cNvSpPr>
@@ -5117,7 +5043,7 @@
     </p:spTree>
     <p:extLst>
       <p:ext uri="{BB962C8B-B14F-4D97-AF65-F5344CB8AC3E}">
-        <p14:creationId xmlns:p14="http://schemas.microsoft.com/office/powerpoint/2010/main" val="2200034044"/>
+        <p14:creationId xmlns:p14="http://schemas.microsoft.com/office/powerpoint/2010/main" val="894629211"/>
       </p:ext>
     </p:extLst>
   </p:cSld>
@@ -5146,12 +5072,46 @@
       </p:grpSpPr>
       <p:sp>
         <p:nvSpPr>
-          <p:cNvPr id="2" name="Title 1"/>
+          <p:cNvPr id="2" name="Title 1">
+            <a:extLst>
+              <a:ext uri="{FF2B5EF4-FFF2-40B4-BE49-F238E27FC236}">
+                <a16:creationId xmlns:a16="http://schemas.microsoft.com/office/drawing/2014/main" id="{FC1BD025-E6F8-95D7-E809-766FDDEC3A11}"/>
+              </a:ext>
+            </a:extLst>
+          </p:cNvPr>
           <p:cNvSpPr>
             <a:spLocks noGrp="1"/>
           </p:cNvSpPr>
           <p:nvPr>
             <p:ph type="title"/>
+          </p:nvPr>
+        </p:nvSpPr>
+        <p:spPr/>
+        <p:txBody>
+          <a:bodyPr/>
+          <a:lstStyle/>
+          <a:p>
+            <a:r>
+              <a:rPr lang="en-US" dirty="0"/>
+              <a:t>Financial planning and investment advisory</a:t>
+            </a:r>
+          </a:p>
+        </p:txBody>
+      </p:sp>
+      <p:sp>
+        <p:nvSpPr>
+          <p:cNvPr id="3" name="Content Placeholder 2">
+            <a:extLst>
+              <a:ext uri="{FF2B5EF4-FFF2-40B4-BE49-F238E27FC236}">
+                <a16:creationId xmlns:a16="http://schemas.microsoft.com/office/drawing/2014/main" id="{BA29FF3F-D1F3-A735-A467-63668C7DCC86}"/>
+              </a:ext>
+            </a:extLst>
+          </p:cNvPr>
+          <p:cNvSpPr>
+            <a:spLocks noGrp="1"/>
+          </p:cNvSpPr>
+          <p:nvPr>
+            <p:ph idx="1"/>
           </p:nvPr>
         </p:nvSpPr>
         <p:spPr/>
@@ -5163,164 +5123,69 @@
           <a:p>
             <a:r>
               <a:rPr lang="en-US" dirty="0"/>
-              <a:t>Student Placement </a:t>
-            </a:r>
-            <a:r>
-              <a:rPr lang="en-US" dirty="0" smtClean="0"/>
-              <a:t>System</a:t>
-            </a:r>
-            <a:endParaRPr lang="en-US" dirty="0"/>
-          </a:p>
-        </p:txBody>
-      </p:sp>
-      <p:sp>
-        <p:nvSpPr>
-          <p:cNvPr id="3" name="Content Placeholder 2"/>
-          <p:cNvSpPr>
-            <a:spLocks noGrp="1"/>
-          </p:cNvSpPr>
-          <p:nvPr>
-            <p:ph idx="1"/>
-          </p:nvPr>
-        </p:nvSpPr>
-        <p:spPr/>
-        <p:txBody>
-          <a:bodyPr>
-            <a:normAutofit/>
-          </a:bodyPr>
-          <a:lstStyle/>
-          <a:p>
-            <a:r>
-              <a:rPr lang="en-US" dirty="0"/>
-              <a:t>Expected Outcomes:</a:t>
+              <a:t>High-level features:</a:t>
             </a:r>
           </a:p>
           <a:p>
             <a:pPr lvl="1"/>
             <a:r>
-              <a:rPr lang="en-US" dirty="0" smtClean="0"/>
-              <a:t>Improved </a:t>
-            </a:r>
-            <a:r>
-              <a:rPr lang="en-US" dirty="0"/>
-              <a:t>Placement </a:t>
-            </a:r>
-            <a:r>
-              <a:rPr lang="en-US" dirty="0" smtClean="0"/>
-              <a:t>Rates</a:t>
+              <a:rPr lang="en-US" dirty="0"/>
+              <a:t>Integrate with open banking data sources to collect financial data on users</a:t>
             </a:r>
           </a:p>
           <a:p>
             <a:pPr lvl="1"/>
             <a:r>
-              <a:rPr lang="en-US" dirty="0" smtClean="0"/>
-              <a:t>Enhanced </a:t>
-            </a:r>
-            <a:r>
-              <a:rPr lang="en-US" dirty="0"/>
-              <a:t>Employer-Student </a:t>
-            </a:r>
-            <a:r>
-              <a:rPr lang="en-US" dirty="0" smtClean="0"/>
-              <a:t>Connect</a:t>
+              <a:rPr lang="en-US" dirty="0"/>
+              <a:t>Create a comprehensive profile for each user</a:t>
             </a:r>
           </a:p>
           <a:p>
             <a:pPr lvl="1"/>
             <a:r>
-              <a:rPr lang="en-US" dirty="0" smtClean="0"/>
-              <a:t>Personalized </a:t>
-            </a:r>
-            <a:r>
-              <a:rPr lang="en-US" dirty="0"/>
-              <a:t>Job </a:t>
-            </a:r>
-            <a:r>
-              <a:rPr lang="en-US" dirty="0" smtClean="0"/>
-              <a:t>Recommendations</a:t>
+              <a:rPr lang="en-US" dirty="0"/>
+              <a:t>Provide users with a diversified investment portfolio based on their profile</a:t>
             </a:r>
           </a:p>
           <a:p>
             <a:pPr lvl="1"/>
             <a:r>
-              <a:rPr lang="en-US" dirty="0" smtClean="0"/>
-              <a:t>Streamlined </a:t>
-            </a:r>
-            <a:r>
-              <a:rPr lang="en-US" dirty="0"/>
-              <a:t>Recruitment </a:t>
-            </a:r>
-            <a:r>
-              <a:rPr lang="en-US" dirty="0" smtClean="0"/>
-              <a:t>Process</a:t>
+              <a:rPr lang="en-US" dirty="0"/>
+              <a:t>Continuously monitor and assess the risk associated with each user's portfolio</a:t>
             </a:r>
           </a:p>
           <a:p>
             <a:pPr lvl="1"/>
             <a:r>
-              <a:rPr lang="en-US" dirty="0" smtClean="0"/>
-              <a:t>Enhanced </a:t>
-            </a:r>
-            <a:r>
-              <a:rPr lang="en-US" dirty="0"/>
-              <a:t>Student </a:t>
-            </a:r>
-            <a:r>
-              <a:rPr lang="en-US" dirty="0" smtClean="0"/>
-              <a:t>Profiling</a:t>
+              <a:rPr lang="en-US" dirty="0"/>
+              <a:t>Allow users to set investment goals</a:t>
             </a:r>
           </a:p>
           <a:p>
             <a:pPr lvl="1"/>
             <a:r>
-              <a:rPr lang="en-US" dirty="0" smtClean="0"/>
-              <a:t>Improved </a:t>
-            </a:r>
-            <a:r>
-              <a:rPr lang="en-US" dirty="0"/>
-              <a:t>Feedback and </a:t>
-            </a:r>
-            <a:r>
-              <a:rPr lang="en-US" dirty="0" smtClean="0"/>
-              <a:t>Rating</a:t>
+              <a:rPr lang="en-US" dirty="0"/>
+              <a:t>Send alerts and notifications to users when there are changes in their portfolio</a:t>
             </a:r>
           </a:p>
           <a:p>
             <a:pPr lvl="1"/>
             <a:r>
-              <a:rPr lang="en-US" dirty="0" smtClean="0"/>
-              <a:t>Increased </a:t>
-            </a:r>
-            <a:r>
-              <a:rPr lang="en-US" dirty="0"/>
-              <a:t>Employer </a:t>
-            </a:r>
-            <a:r>
-              <a:rPr lang="en-US" dirty="0" smtClean="0"/>
-              <a:t>Participation</a:t>
-            </a:r>
-          </a:p>
-          <a:p>
-            <a:pPr lvl="1"/>
-            <a:r>
-              <a:rPr lang="en-US" dirty="0" smtClean="0"/>
-              <a:t>Improved </a:t>
-            </a:r>
-            <a:r>
-              <a:rPr lang="en-US" dirty="0"/>
-              <a:t>User </a:t>
-            </a:r>
-            <a:r>
-              <a:rPr lang="en-US" dirty="0" smtClean="0"/>
-              <a:t>Experience</a:t>
-            </a:r>
-            <a:endParaRPr lang="en-US" dirty="0"/>
-          </a:p>
-        </p:txBody>
-      </p:sp>
-      <p:sp>
-        <p:nvSpPr>
-          <p:cNvPr id="4" name="Slide Number Placeholder 3"/>
+              <a:rPr lang="en-US" dirty="0"/>
+              <a:t>Provide detailed reports and analytics on portfolio performance, risk assessment, and goal progress.</a:t>
+            </a:r>
+          </a:p>
+        </p:txBody>
+      </p:sp>
+      <p:sp>
+        <p:nvSpPr>
+          <p:cNvPr id="4" name="Slide Number Placeholder 3">
+            <a:extLst>
+              <a:ext uri="{FF2B5EF4-FFF2-40B4-BE49-F238E27FC236}">
+                <a16:creationId xmlns:a16="http://schemas.microsoft.com/office/drawing/2014/main" id="{CEC0C92A-7804-97E3-82EE-FA3B8493B04D}"/>
+              </a:ext>
+            </a:extLst>
+          </p:cNvPr>
           <p:cNvSpPr>
             <a:spLocks noGrp="1"/>
           </p:cNvSpPr>
@@ -5345,7 +5210,7 @@
     </p:spTree>
     <p:extLst>
       <p:ext uri="{BB962C8B-B14F-4D97-AF65-F5344CB8AC3E}">
-        <p14:creationId xmlns:p14="http://schemas.microsoft.com/office/powerpoint/2010/main" val="3610739255"/>
+        <p14:creationId xmlns:p14="http://schemas.microsoft.com/office/powerpoint/2010/main" val="713385326"/>
       </p:ext>
     </p:extLst>
   </p:cSld>
@@ -5374,7 +5239,13 @@
       </p:grpSpPr>
       <p:sp>
         <p:nvSpPr>
-          <p:cNvPr id="2" name="Title 1"/>
+          <p:cNvPr id="2" name="Title 1">
+            <a:extLst>
+              <a:ext uri="{FF2B5EF4-FFF2-40B4-BE49-F238E27FC236}">
+                <a16:creationId xmlns:a16="http://schemas.microsoft.com/office/drawing/2014/main" id="{FC1BD025-E6F8-95D7-E809-766FDDEC3A11}"/>
+              </a:ext>
+            </a:extLst>
+          </p:cNvPr>
           <p:cNvSpPr>
             <a:spLocks noGrp="1"/>
           </p:cNvSpPr>
@@ -5389,19 +5260,20 @@
           <a:p>
             <a:r>
               <a:rPr lang="en-US" dirty="0"/>
-              <a:t>AI-Based </a:t>
-            </a:r>
-            <a:r>
-              <a:rPr lang="en-US" dirty="0" smtClean="0"/>
-              <a:t>Dietician System</a:t>
-            </a:r>
-            <a:endParaRPr lang="en-US" dirty="0"/>
-          </a:p>
-        </p:txBody>
-      </p:sp>
-      <p:sp>
-        <p:nvSpPr>
-          <p:cNvPr id="3" name="Content Placeholder 2"/>
+              <a:t>Financial planning and investment advisory</a:t>
+            </a:r>
+          </a:p>
+        </p:txBody>
+      </p:sp>
+      <p:sp>
+        <p:nvSpPr>
+          <p:cNvPr id="3" name="Content Placeholder 2">
+            <a:extLst>
+              <a:ext uri="{FF2B5EF4-FFF2-40B4-BE49-F238E27FC236}">
+                <a16:creationId xmlns:a16="http://schemas.microsoft.com/office/drawing/2014/main" id="{BA29FF3F-D1F3-A735-A467-63668C7DCC86}"/>
+              </a:ext>
+            </a:extLst>
+          </p:cNvPr>
           <p:cNvSpPr>
             <a:spLocks noGrp="1"/>
           </p:cNvSpPr>
@@ -5411,41 +5283,76 @@
         </p:nvSpPr>
         <p:spPr/>
         <p:txBody>
-          <a:bodyPr/>
-          <a:lstStyle/>
-          <a:p>
-            <a:r>
-              <a:rPr lang="en-US" dirty="0"/>
-              <a:t>The goal of this project is to develop an AI-based dietician software that provides personalized dietary recommendations to users based on their health goals, dietary restrictions, and food preferences. </a:t>
-            </a:r>
-            <a:endParaRPr lang="en-US" dirty="0" smtClean="0"/>
-          </a:p>
-          <a:p>
-            <a:r>
-              <a:rPr lang="en-US" dirty="0" smtClean="0"/>
-              <a:t>The </a:t>
-            </a:r>
-            <a:r>
-              <a:rPr lang="en-US" dirty="0"/>
-              <a:t>software will use machine learning algorithms to analyze user data and provide tailored advice on nutrition, meal planning, and healthy eating habits. </a:t>
-            </a:r>
-            <a:endParaRPr lang="en-US" dirty="0" smtClean="0"/>
-          </a:p>
-          <a:p>
-            <a:r>
-              <a:rPr lang="en-US" dirty="0" smtClean="0"/>
-              <a:t>The </a:t>
-            </a:r>
-            <a:r>
-              <a:rPr lang="en-US" dirty="0"/>
-              <a:t>project aims to create a virtual dietician that can assist users in achieving their health goals and improve their overall well-being.</a:t>
-            </a:r>
-          </a:p>
-        </p:txBody>
-      </p:sp>
-      <p:sp>
-        <p:nvSpPr>
-          <p:cNvPr id="4" name="Slide Number Placeholder 3"/>
+          <a:bodyPr>
+            <a:normAutofit/>
+          </a:bodyPr>
+          <a:lstStyle/>
+          <a:p>
+            <a:r>
+              <a:rPr lang="en-US" dirty="0"/>
+              <a:t>Expected outcomes:</a:t>
+            </a:r>
+          </a:p>
+          <a:p>
+            <a:pPr lvl="1"/>
+            <a:r>
+              <a:rPr lang="en-US" dirty="0"/>
+              <a:t>Provide personalized investment advice to users</a:t>
+            </a:r>
+          </a:p>
+          <a:p>
+            <a:pPr lvl="1"/>
+            <a:r>
+              <a:rPr lang="en-US" dirty="0"/>
+              <a:t>Help users optimize their investment portfolios and improve their overall performance</a:t>
+            </a:r>
+          </a:p>
+          <a:p>
+            <a:pPr lvl="1"/>
+            <a:r>
+              <a:rPr lang="en-US" dirty="0"/>
+              <a:t>Help users mitigate risk and protect their investments from market fluctuations</a:t>
+            </a:r>
+          </a:p>
+          <a:p>
+            <a:pPr lvl="1"/>
+            <a:r>
+              <a:rPr lang="en-US" dirty="0"/>
+              <a:t>Help users achieve their investment goals</a:t>
+            </a:r>
+          </a:p>
+          <a:p>
+            <a:pPr lvl="1"/>
+            <a:r>
+              <a:rPr lang="en-US" dirty="0"/>
+              <a:t>Help users understand their portfolio performance and risk assessment</a:t>
+            </a:r>
+          </a:p>
+          <a:p>
+            <a:pPr lvl="1"/>
+            <a:r>
+              <a:rPr lang="en-US" dirty="0"/>
+              <a:t>User Satisfaction</a:t>
+            </a:r>
+          </a:p>
+          <a:p>
+            <a:pPr lvl="1"/>
+            <a:r>
+              <a:rPr lang="en-US" dirty="0"/>
+              <a:t>Competitive Advantage</a:t>
+            </a:r>
+          </a:p>
+        </p:txBody>
+      </p:sp>
+      <p:sp>
+        <p:nvSpPr>
+          <p:cNvPr id="4" name="Slide Number Placeholder 3">
+            <a:extLst>
+              <a:ext uri="{FF2B5EF4-FFF2-40B4-BE49-F238E27FC236}">
+                <a16:creationId xmlns:a16="http://schemas.microsoft.com/office/drawing/2014/main" id="{CEC0C92A-7804-97E3-82EE-FA3B8493B04D}"/>
+              </a:ext>
+            </a:extLst>
+          </p:cNvPr>
           <p:cNvSpPr>
             <a:spLocks noGrp="1"/>
           </p:cNvSpPr>
@@ -5470,7 +5377,7 @@
     </p:spTree>
     <p:extLst>
       <p:ext uri="{BB962C8B-B14F-4D97-AF65-F5344CB8AC3E}">
-        <p14:creationId xmlns:p14="http://schemas.microsoft.com/office/powerpoint/2010/main" val="3472648128"/>
+        <p14:creationId xmlns:p14="http://schemas.microsoft.com/office/powerpoint/2010/main" val="1191994290"/>
       </p:ext>
     </p:extLst>
   </p:cSld>
@@ -5499,7 +5406,13 @@
       </p:grpSpPr>
       <p:sp>
         <p:nvSpPr>
-          <p:cNvPr id="2" name="Title 1"/>
+          <p:cNvPr id="2" name="Title 1">
+            <a:extLst>
+              <a:ext uri="{FF2B5EF4-FFF2-40B4-BE49-F238E27FC236}">
+                <a16:creationId xmlns:a16="http://schemas.microsoft.com/office/drawing/2014/main" id="{431647AB-D187-5B74-1E5B-0FE19667E2DC}"/>
+              </a:ext>
+            </a:extLst>
+          </p:cNvPr>
           <p:cNvSpPr>
             <a:spLocks noGrp="1"/>
           </p:cNvSpPr>
@@ -5513,20 +5426,25 @@
           <a:lstStyle/>
           <a:p>
             <a:r>
-              <a:rPr lang="en-US" dirty="0"/>
-              <a:t>AI-Based </a:t>
-            </a:r>
-            <a:r>
-              <a:rPr lang="en-US" dirty="0" smtClean="0"/>
-              <a:t>Dietician System</a:t>
-            </a:r>
-            <a:endParaRPr lang="en-US" dirty="0"/>
-          </a:p>
-        </p:txBody>
-      </p:sp>
-      <p:sp>
-        <p:nvSpPr>
-          <p:cNvPr id="3" name="Content Placeholder 2"/>
+              <a:rPr lang="en-US" dirty="0" err="1"/>
+              <a:t>Akaunting</a:t>
+            </a:r>
+            <a:r>
+              <a:rPr lang="en-US" dirty="0"/>
+              <a:t> Saudization</a:t>
+            </a:r>
+          </a:p>
+        </p:txBody>
+      </p:sp>
+      <p:sp>
+        <p:nvSpPr>
+          <p:cNvPr id="3" name="Content Placeholder 2">
+            <a:extLst>
+              <a:ext uri="{FF2B5EF4-FFF2-40B4-BE49-F238E27FC236}">
+                <a16:creationId xmlns:a16="http://schemas.microsoft.com/office/drawing/2014/main" id="{77A53AE9-3D65-10BD-5040-15A5ADE5BF7F}"/>
+              </a:ext>
+            </a:extLst>
+          </p:cNvPr>
           <p:cNvSpPr>
             <a:spLocks noGrp="1"/>
           </p:cNvSpPr>
@@ -5536,87 +5454,35 @@
         </p:nvSpPr>
         <p:spPr/>
         <p:txBody>
-          <a:bodyPr>
-            <a:normAutofit/>
-          </a:bodyPr>
-          <a:lstStyle/>
-          <a:p>
-            <a:r>
-              <a:rPr lang="en-US" dirty="0"/>
-              <a:t>Main Features:</a:t>
-            </a:r>
-          </a:p>
-          <a:p>
-            <a:pPr lvl="1"/>
-            <a:r>
-              <a:rPr lang="en-US" dirty="0" smtClean="0"/>
-              <a:t>User Profiling</a:t>
-            </a:r>
-          </a:p>
-          <a:p>
-            <a:pPr lvl="1"/>
-            <a:r>
-              <a:rPr lang="en-US" dirty="0" smtClean="0"/>
-              <a:t>Nutrition Analysis</a:t>
-            </a:r>
-          </a:p>
-          <a:p>
-            <a:pPr lvl="1"/>
-            <a:r>
-              <a:rPr lang="en-US" dirty="0" smtClean="0"/>
-              <a:t>Meal Planning</a:t>
-            </a:r>
-          </a:p>
-          <a:p>
-            <a:pPr lvl="1"/>
-            <a:r>
-              <a:rPr lang="en-US" dirty="0" smtClean="0"/>
-              <a:t>Healthy </a:t>
-            </a:r>
-            <a:r>
-              <a:rPr lang="en-US" dirty="0"/>
-              <a:t>Eating </a:t>
-            </a:r>
-            <a:r>
-              <a:rPr lang="en-US" dirty="0" smtClean="0"/>
-              <a:t>Habits</a:t>
-            </a:r>
-          </a:p>
-          <a:p>
-            <a:pPr lvl="1"/>
-            <a:r>
-              <a:rPr lang="en-US" dirty="0" smtClean="0"/>
-              <a:t>Progress Tracking</a:t>
-            </a:r>
-          </a:p>
-          <a:p>
-            <a:pPr lvl="1"/>
-            <a:r>
-              <a:rPr lang="en-US" dirty="0" smtClean="0"/>
-              <a:t>Integration </a:t>
-            </a:r>
-            <a:r>
-              <a:rPr lang="en-US" dirty="0"/>
-              <a:t>with Wearable </a:t>
-            </a:r>
-            <a:r>
-              <a:rPr lang="en-US" dirty="0" smtClean="0"/>
-              <a:t>Devices</a:t>
-            </a:r>
-          </a:p>
-          <a:p>
-            <a:pPr lvl="1"/>
-            <a:r>
-              <a:rPr lang="en-US" dirty="0" smtClean="0"/>
-              <a:t>Recipe Database</a:t>
-            </a:r>
-            <a:endParaRPr lang="en-US" dirty="0"/>
-          </a:p>
-        </p:txBody>
-      </p:sp>
-      <p:sp>
-        <p:nvSpPr>
-          <p:cNvPr id="4" name="Slide Number Placeholder 3"/>
+          <a:bodyPr/>
+          <a:lstStyle/>
+          <a:p>
+            <a:r>
+              <a:rPr lang="en-US" dirty="0" err="1"/>
+              <a:t>Akaunting</a:t>
+            </a:r>
+            <a:r>
+              <a:rPr lang="en-US" dirty="0"/>
+              <a:t> is an open-source accounting system that needs to be customized to comply with Saudi Arabia's regulations on reporting, taxing, and invoicing. </a:t>
+            </a:r>
+          </a:p>
+          <a:p>
+            <a:r>
+              <a:rPr lang="en-US" dirty="0"/>
+              <a:t>The customization will ensure that the system meets the requirements of the Saudi Arabian government and financial institutions.</a:t>
+            </a:r>
+          </a:p>
+        </p:txBody>
+      </p:sp>
+      <p:sp>
+        <p:nvSpPr>
+          <p:cNvPr id="4" name="Slide Number Placeholder 3">
+            <a:extLst>
+              <a:ext uri="{FF2B5EF4-FFF2-40B4-BE49-F238E27FC236}">
+                <a16:creationId xmlns:a16="http://schemas.microsoft.com/office/drawing/2014/main" id="{92352600-AC5E-780D-A4AE-592C81DBAAB4}"/>
+              </a:ext>
+            </a:extLst>
+          </p:cNvPr>
           <p:cNvSpPr>
             <a:spLocks noGrp="1"/>
           </p:cNvSpPr>
@@ -5641,7 +5507,7 @@
     </p:spTree>
     <p:extLst>
       <p:ext uri="{BB962C8B-B14F-4D97-AF65-F5344CB8AC3E}">
-        <p14:creationId xmlns:p14="http://schemas.microsoft.com/office/powerpoint/2010/main" val="209310603"/>
+        <p14:creationId xmlns:p14="http://schemas.microsoft.com/office/powerpoint/2010/main" val="713283662"/>
       </p:ext>
     </p:extLst>
   </p:cSld>
@@ -5670,7 +5536,13 @@
       </p:grpSpPr>
       <p:sp>
         <p:nvSpPr>
-          <p:cNvPr id="2" name="Title 1"/>
+          <p:cNvPr id="2" name="Title 1">
+            <a:extLst>
+              <a:ext uri="{FF2B5EF4-FFF2-40B4-BE49-F238E27FC236}">
+                <a16:creationId xmlns:a16="http://schemas.microsoft.com/office/drawing/2014/main" id="{431647AB-D187-5B74-1E5B-0FE19667E2DC}"/>
+              </a:ext>
+            </a:extLst>
+          </p:cNvPr>
           <p:cNvSpPr>
             <a:spLocks noGrp="1"/>
           </p:cNvSpPr>
@@ -5684,20 +5556,25 @@
           <a:lstStyle/>
           <a:p>
             <a:r>
-              <a:rPr lang="en-US" dirty="0"/>
-              <a:t>AI-Based </a:t>
-            </a:r>
-            <a:r>
-              <a:rPr lang="en-US" dirty="0" smtClean="0"/>
-              <a:t>Dietician System</a:t>
-            </a:r>
-            <a:endParaRPr lang="en-US" dirty="0"/>
-          </a:p>
-        </p:txBody>
-      </p:sp>
-      <p:sp>
-        <p:nvSpPr>
-          <p:cNvPr id="3" name="Content Placeholder 2"/>
+              <a:rPr lang="en-US" dirty="0" err="1"/>
+              <a:t>Akaunting</a:t>
+            </a:r>
+            <a:r>
+              <a:rPr lang="en-US" dirty="0"/>
+              <a:t> Saudization</a:t>
+            </a:r>
+          </a:p>
+        </p:txBody>
+      </p:sp>
+      <p:sp>
+        <p:nvSpPr>
+          <p:cNvPr id="3" name="Content Placeholder 2">
+            <a:extLst>
+              <a:ext uri="{FF2B5EF4-FFF2-40B4-BE49-F238E27FC236}">
+                <a16:creationId xmlns:a16="http://schemas.microsoft.com/office/drawing/2014/main" id="{77A53AE9-3D65-10BD-5040-15A5ADE5BF7F}"/>
+              </a:ext>
+            </a:extLst>
+          </p:cNvPr>
           <p:cNvSpPr>
             <a:spLocks noGrp="1"/>
           </p:cNvSpPr>
@@ -5707,103 +5584,61 @@
         </p:nvSpPr>
         <p:spPr/>
         <p:txBody>
-          <a:bodyPr>
-            <a:normAutofit/>
-          </a:bodyPr>
-          <a:lstStyle/>
-          <a:p>
-            <a:r>
-              <a:rPr lang="en-US" dirty="0"/>
-              <a:t>Expected Outcomes:</a:t>
+          <a:bodyPr/>
+          <a:lstStyle/>
+          <a:p>
+            <a:r>
+              <a:rPr lang="en-US" dirty="0"/>
+              <a:t>High-level features:</a:t>
             </a:r>
           </a:p>
           <a:p>
             <a:pPr lvl="1"/>
             <a:r>
-              <a:rPr lang="en-US" dirty="0" smtClean="0"/>
-              <a:t>Personalized </a:t>
-            </a:r>
-            <a:r>
-              <a:rPr lang="en-US" dirty="0"/>
-              <a:t>Nutrition </a:t>
-            </a:r>
-            <a:r>
-              <a:rPr lang="en-US" dirty="0" smtClean="0"/>
-              <a:t>Recommendations</a:t>
-            </a:r>
-          </a:p>
-          <a:p>
-            <a:pPr lvl="1"/>
-            <a:r>
-              <a:rPr lang="en-US" dirty="0" smtClean="0"/>
-              <a:t>Improved </a:t>
-            </a:r>
-            <a:r>
-              <a:rPr lang="en-US" dirty="0"/>
-              <a:t>Health </a:t>
-            </a:r>
-            <a:r>
-              <a:rPr lang="en-US" dirty="0" smtClean="0"/>
-              <a:t>Outcomes</a:t>
-            </a:r>
-          </a:p>
-          <a:p>
-            <a:pPr lvl="1"/>
-            <a:r>
-              <a:rPr lang="en-US" dirty="0" smtClean="0"/>
-              <a:t>Increased Convenience</a:t>
-            </a:r>
-          </a:p>
-          <a:p>
-            <a:pPr lvl="1"/>
-            <a:r>
-              <a:rPr lang="en-US" dirty="0" smtClean="0"/>
-              <a:t>Enhanced </a:t>
-            </a:r>
-            <a:r>
-              <a:rPr lang="en-US" dirty="0"/>
-              <a:t>User </a:t>
-            </a:r>
-            <a:r>
-              <a:rPr lang="en-US" dirty="0" smtClean="0"/>
-              <a:t>Engagement</a:t>
-            </a:r>
-          </a:p>
-          <a:p>
-            <a:pPr lvl="1"/>
-            <a:r>
-              <a:rPr lang="en-US" dirty="0" smtClean="0"/>
-              <a:t>Cost-Effective</a:t>
-            </a:r>
-          </a:p>
-          <a:p>
-            <a:pPr lvl="1"/>
-            <a:r>
-              <a:rPr lang="en-US" dirty="0" smtClean="0"/>
-              <a:t>Accessibility</a:t>
-            </a:r>
-          </a:p>
-          <a:p>
-            <a:pPr lvl="1"/>
-            <a:r>
-              <a:rPr lang="en-US" dirty="0" smtClean="0"/>
-              <a:t>Improved </a:t>
-            </a:r>
-            <a:r>
-              <a:rPr lang="en-US" dirty="0"/>
-              <a:t>User </a:t>
-            </a:r>
-            <a:r>
-              <a:rPr lang="en-US" dirty="0" smtClean="0"/>
-              <a:t>Education</a:t>
-            </a:r>
-            <a:endParaRPr lang="en-US" dirty="0"/>
-          </a:p>
-        </p:txBody>
-      </p:sp>
-      <p:sp>
-        <p:nvSpPr>
-          <p:cNvPr id="4" name="Slide Number Placeholder 3"/>
+              <a:rPr lang="en-US" dirty="0"/>
+              <a:t>Reporting:</a:t>
+            </a:r>
+          </a:p>
+          <a:p>
+            <a:pPr lvl="2"/>
+            <a:r>
+              <a:rPr lang="en-US" dirty="0"/>
+              <a:t>Customize </a:t>
+            </a:r>
+            <a:r>
+              <a:rPr lang="en-US" dirty="0" err="1"/>
+              <a:t>Akaunting's</a:t>
+            </a:r>
+            <a:r>
+              <a:rPr lang="en-US" dirty="0"/>
+              <a:t> reporting feature to generate reports that comply with Saudi Arabia's financial reporting standards.</a:t>
+            </a:r>
+          </a:p>
+          <a:p>
+            <a:pPr lvl="2"/>
+            <a:r>
+              <a:rPr lang="en-US" dirty="0"/>
+              <a:t>Implement a reporting template that includes the necessary financial statements, such as balance sheets, income statements, and cash flow statements.</a:t>
+            </a:r>
+          </a:p>
+          <a:p>
+            <a:pPr lvl="2"/>
+            <a:r>
+              <a:rPr lang="en-US" dirty="0"/>
+              <a:t>Ensure that the reports can be exported in formats acceptable to Saudi Arabia's financial institutions and government agencies.</a:t>
+            </a:r>
+          </a:p>
+        </p:txBody>
+      </p:sp>
+      <p:sp>
+        <p:nvSpPr>
+          <p:cNvPr id="4" name="Slide Number Placeholder 3">
+            <a:extLst>
+              <a:ext uri="{FF2B5EF4-FFF2-40B4-BE49-F238E27FC236}">
+                <a16:creationId xmlns:a16="http://schemas.microsoft.com/office/drawing/2014/main" id="{92352600-AC5E-780D-A4AE-592C81DBAAB4}"/>
+              </a:ext>
+            </a:extLst>
+          </p:cNvPr>
           <p:cNvSpPr>
             <a:spLocks noGrp="1"/>
           </p:cNvSpPr>
@@ -5828,7 +5663,7 @@
     </p:spTree>
     <p:extLst>
       <p:ext uri="{BB962C8B-B14F-4D97-AF65-F5344CB8AC3E}">
-        <p14:creationId xmlns:p14="http://schemas.microsoft.com/office/powerpoint/2010/main" val="1694321946"/>
+        <p14:creationId xmlns:p14="http://schemas.microsoft.com/office/powerpoint/2010/main" val="3025852893"/>
       </p:ext>
     </p:extLst>
   </p:cSld>
@@ -5857,7 +5692,13 @@
       </p:grpSpPr>
       <p:sp>
         <p:nvSpPr>
-          <p:cNvPr id="2" name="Title 1"/>
+          <p:cNvPr id="2" name="Title 1">
+            <a:extLst>
+              <a:ext uri="{FF2B5EF4-FFF2-40B4-BE49-F238E27FC236}">
+                <a16:creationId xmlns:a16="http://schemas.microsoft.com/office/drawing/2014/main" id="{431647AB-D187-5B74-1E5B-0FE19667E2DC}"/>
+              </a:ext>
+            </a:extLst>
+          </p:cNvPr>
           <p:cNvSpPr>
             <a:spLocks noGrp="1"/>
           </p:cNvSpPr>
@@ -5871,19 +5712,25 @@
           <a:lstStyle/>
           <a:p>
             <a:r>
-              <a:rPr lang="en-US" dirty="0" smtClean="0"/>
-              <a:t>Exchanging </a:t>
-            </a:r>
-            <a:r>
-              <a:rPr lang="en-US" dirty="0"/>
-              <a:t>Loyalty Points</a:t>
-            </a:r>
-          </a:p>
-        </p:txBody>
-      </p:sp>
-      <p:sp>
-        <p:nvSpPr>
-          <p:cNvPr id="3" name="Content Placeholder 2"/>
+              <a:rPr lang="en-US" dirty="0" err="1"/>
+              <a:t>Akaunting</a:t>
+            </a:r>
+            <a:r>
+              <a:rPr lang="en-US" dirty="0"/>
+              <a:t> Saudization</a:t>
+            </a:r>
+          </a:p>
+        </p:txBody>
+      </p:sp>
+      <p:sp>
+        <p:nvSpPr>
+          <p:cNvPr id="3" name="Content Placeholder 2">
+            <a:extLst>
+              <a:ext uri="{FF2B5EF4-FFF2-40B4-BE49-F238E27FC236}">
+                <a16:creationId xmlns:a16="http://schemas.microsoft.com/office/drawing/2014/main" id="{77A53AE9-3D65-10BD-5040-15A5ADE5BF7F}"/>
+              </a:ext>
+            </a:extLst>
+          </p:cNvPr>
           <p:cNvSpPr>
             <a:spLocks noGrp="1"/>
           </p:cNvSpPr>
@@ -5898,44 +5745,56 @@
           <a:p>
             <a:r>
               <a:rPr lang="en-US" dirty="0"/>
-              <a:t>The goal of this project is to create a </a:t>
+              <a:t>High-level features:</a:t>
+            </a:r>
+          </a:p>
+          <a:p>
+            <a:pPr lvl="1"/>
+            <a:r>
+              <a:rPr lang="en-US" dirty="0"/>
+              <a:t>Taxing:</a:t>
+            </a:r>
+          </a:p>
+          <a:p>
+            <a:pPr lvl="2"/>
+            <a:r>
+              <a:rPr lang="en-US" dirty="0"/>
+              <a:t>Customize </a:t>
             </a:r>
             <a:r>
               <a:rPr lang="en-US" dirty="0" err="1"/>
-              <a:t>blockchain</a:t>
-            </a:r>
-            <a:r>
-              <a:rPr lang="en-US" dirty="0"/>
-              <a:t>-based platform for exchanging loyalty points, enabling users to track, manage, and spend their points seamlessly. </a:t>
-            </a:r>
-            <a:endParaRPr lang="en-US" dirty="0" smtClean="0"/>
-          </a:p>
-          <a:p>
-            <a:r>
-              <a:rPr lang="en-US" dirty="0" smtClean="0"/>
-              <a:t>The </a:t>
-            </a:r>
-            <a:r>
-              <a:rPr lang="en-US" dirty="0"/>
-              <a:t>platform aims to address the issue of unstable tracking and wastage of loyalty points, providing a secure, decentralized, and user-friendly solution. </a:t>
-            </a:r>
-            <a:endParaRPr lang="en-US" dirty="0" smtClean="0"/>
-          </a:p>
-          <a:p>
-            <a:r>
-              <a:rPr lang="en-US" dirty="0" smtClean="0"/>
-              <a:t>The </a:t>
-            </a:r>
-            <a:r>
-              <a:rPr lang="en-US" dirty="0"/>
-              <a:t>project's objective is to create a tokenized loyalty point system that can be easily integrated with existing loyalty programs, empowering users to take control of their points and redeem them for their desired choices.</a:t>
-            </a:r>
-          </a:p>
-        </p:txBody>
-      </p:sp>
-      <p:sp>
-        <p:nvSpPr>
-          <p:cNvPr id="4" name="Slide Number Placeholder 3"/>
+              <a:t>Akaunting's</a:t>
+            </a:r>
+            <a:r>
+              <a:rPr lang="en-US" dirty="0"/>
+              <a:t> tax feature to calculate taxes according to Saudi Arabia's tax laws and regulations.</a:t>
+            </a:r>
+          </a:p>
+          <a:p>
+            <a:pPr lvl="2"/>
+            <a:r>
+              <a:rPr lang="en-US" dirty="0"/>
+              <a:t>Implement a tax calculator that can compute taxes based on various factors, such as income, expenses, and depreciation.</a:t>
+            </a:r>
+          </a:p>
+          <a:p>
+            <a:pPr lvl="2"/>
+            <a:r>
+              <a:rPr lang="en-US" dirty="0"/>
+              <a:t>Ensure that the tax calculations are accurate and comply with Saudi Arabia's tax regulations.</a:t>
+            </a:r>
+          </a:p>
+        </p:txBody>
+      </p:sp>
+      <p:sp>
+        <p:nvSpPr>
+          <p:cNvPr id="4" name="Slide Number Placeholder 3">
+            <a:extLst>
+              <a:ext uri="{FF2B5EF4-FFF2-40B4-BE49-F238E27FC236}">
+                <a16:creationId xmlns:a16="http://schemas.microsoft.com/office/drawing/2014/main" id="{92352600-AC5E-780D-A4AE-592C81DBAAB4}"/>
+              </a:ext>
+            </a:extLst>
+          </p:cNvPr>
           <p:cNvSpPr>
             <a:spLocks noGrp="1"/>
           </p:cNvSpPr>
@@ -5960,7 +5819,7 @@
     </p:spTree>
     <p:extLst>
       <p:ext uri="{BB962C8B-B14F-4D97-AF65-F5344CB8AC3E}">
-        <p14:creationId xmlns:p14="http://schemas.microsoft.com/office/powerpoint/2010/main" val="1461815573"/>
+        <p14:creationId xmlns:p14="http://schemas.microsoft.com/office/powerpoint/2010/main" val="516518757"/>
       </p:ext>
     </p:extLst>
   </p:cSld>
@@ -5989,7 +5848,13 @@
       </p:grpSpPr>
       <p:sp>
         <p:nvSpPr>
-          <p:cNvPr id="2" name="Title 1"/>
+          <p:cNvPr id="2" name="Title 1">
+            <a:extLst>
+              <a:ext uri="{FF2B5EF4-FFF2-40B4-BE49-F238E27FC236}">
+                <a16:creationId xmlns:a16="http://schemas.microsoft.com/office/drawing/2014/main" id="{431647AB-D187-5B74-1E5B-0FE19667E2DC}"/>
+              </a:ext>
+            </a:extLst>
+          </p:cNvPr>
           <p:cNvSpPr>
             <a:spLocks noGrp="1"/>
           </p:cNvSpPr>
@@ -6003,19 +5868,25 @@
           <a:lstStyle/>
           <a:p>
             <a:r>
-              <a:rPr lang="en-US" dirty="0" smtClean="0"/>
-              <a:t>Exchanging </a:t>
-            </a:r>
-            <a:r>
-              <a:rPr lang="en-US" dirty="0"/>
-              <a:t>Loyalty Points</a:t>
-            </a:r>
-          </a:p>
-        </p:txBody>
-      </p:sp>
-      <p:sp>
-        <p:nvSpPr>
-          <p:cNvPr id="3" name="Content Placeholder 2"/>
+              <a:rPr lang="en-US" dirty="0" err="1"/>
+              <a:t>Akaunting</a:t>
+            </a:r>
+            <a:r>
+              <a:rPr lang="en-US" dirty="0"/>
+              <a:t> Saudization</a:t>
+            </a:r>
+          </a:p>
+        </p:txBody>
+      </p:sp>
+      <p:sp>
+        <p:nvSpPr>
+          <p:cNvPr id="3" name="Content Placeholder 2">
+            <a:extLst>
+              <a:ext uri="{FF2B5EF4-FFF2-40B4-BE49-F238E27FC236}">
+                <a16:creationId xmlns:a16="http://schemas.microsoft.com/office/drawing/2014/main" id="{77A53AE9-3D65-10BD-5040-15A5ADE5BF7F}"/>
+              </a:ext>
+            </a:extLst>
+          </p:cNvPr>
           <p:cNvSpPr>
             <a:spLocks noGrp="1"/>
           </p:cNvSpPr>
@@ -6025,73 +5896,61 @@
         </p:nvSpPr>
         <p:spPr/>
         <p:txBody>
-          <a:bodyPr>
-            <a:normAutofit/>
-          </a:bodyPr>
-          <a:lstStyle/>
-          <a:p>
-            <a:r>
-              <a:rPr lang="en-US" dirty="0"/>
-              <a:t>Main Features:</a:t>
+          <a:bodyPr/>
+          <a:lstStyle/>
+          <a:p>
+            <a:r>
+              <a:rPr lang="en-US" dirty="0"/>
+              <a:t>High-level features:</a:t>
             </a:r>
           </a:p>
           <a:p>
             <a:pPr lvl="1"/>
             <a:r>
-              <a:rPr lang="en-US" dirty="0" smtClean="0"/>
-              <a:t>Decentralized System</a:t>
-            </a:r>
-          </a:p>
-          <a:p>
-            <a:pPr lvl="1"/>
-            <a:r>
-              <a:rPr lang="en-US" dirty="0" smtClean="0"/>
-              <a:t>Advanced Security</a:t>
-            </a:r>
-          </a:p>
-          <a:p>
-            <a:pPr lvl="1"/>
-            <a:r>
-              <a:rPr lang="en-US" dirty="0" smtClean="0"/>
-              <a:t>Tokenized </a:t>
-            </a:r>
-            <a:r>
-              <a:rPr lang="en-US" dirty="0"/>
-              <a:t>Loyalty </a:t>
-            </a:r>
-            <a:r>
-              <a:rPr lang="en-US" dirty="0" smtClean="0"/>
-              <a:t>Points</a:t>
-            </a:r>
-          </a:p>
-          <a:p>
-            <a:pPr lvl="1"/>
-            <a:r>
-              <a:rPr lang="en-US" dirty="0" smtClean="0"/>
-              <a:t>User-Friendly Interface</a:t>
-            </a:r>
-          </a:p>
-          <a:p>
-            <a:pPr lvl="1"/>
-            <a:r>
-              <a:rPr lang="en-US" dirty="0" smtClean="0"/>
-              <a:t>Integration </a:t>
-            </a:r>
-            <a:r>
-              <a:rPr lang="en-US" dirty="0"/>
-              <a:t>with Existing Loyalty </a:t>
-            </a:r>
-            <a:r>
-              <a:rPr lang="en-US" dirty="0" smtClean="0"/>
-              <a:t>Programs</a:t>
-            </a:r>
-            <a:endParaRPr lang="en-US" dirty="0"/>
-          </a:p>
-        </p:txBody>
-      </p:sp>
-      <p:sp>
-        <p:nvSpPr>
-          <p:cNvPr id="4" name="Slide Number Placeholder 3"/>
+              <a:rPr lang="en-US" dirty="0"/>
+              <a:t>Invoicing:</a:t>
+            </a:r>
+          </a:p>
+          <a:p>
+            <a:pPr lvl="2"/>
+            <a:r>
+              <a:rPr lang="en-US" dirty="0"/>
+              <a:t>Customize </a:t>
+            </a:r>
+            <a:r>
+              <a:rPr lang="en-US" dirty="0" err="1"/>
+              <a:t>Akaunting's</a:t>
+            </a:r>
+            <a:r>
+              <a:rPr lang="en-US" dirty="0"/>
+              <a:t> invoicing feature to generate invoices that comply with Saudi Arabia's invoicing regulations.</a:t>
+            </a:r>
+          </a:p>
+          <a:p>
+            <a:pPr lvl="2"/>
+            <a:r>
+              <a:rPr lang="en-US" dirty="0"/>
+              <a:t>Implement an invoicing template that includes the necessary information, such as the customer's name, address, and tax identification number.</a:t>
+            </a:r>
+          </a:p>
+          <a:p>
+            <a:pPr lvl="2"/>
+            <a:r>
+              <a:rPr lang="en-US" dirty="0"/>
+              <a:t>Ensure that the invoices can be exported in formats acceptable to Saudi Arabia's financial institutions and government agencies.</a:t>
+            </a:r>
+          </a:p>
+        </p:txBody>
+      </p:sp>
+      <p:sp>
+        <p:nvSpPr>
+          <p:cNvPr id="4" name="Slide Number Placeholder 3">
+            <a:extLst>
+              <a:ext uri="{FF2B5EF4-FFF2-40B4-BE49-F238E27FC236}">
+                <a16:creationId xmlns:a16="http://schemas.microsoft.com/office/drawing/2014/main" id="{92352600-AC5E-780D-A4AE-592C81DBAAB4}"/>
+              </a:ext>
+            </a:extLst>
+          </p:cNvPr>
           <p:cNvSpPr>
             <a:spLocks noGrp="1"/>
           </p:cNvSpPr>
@@ -6116,7 +5975,7 @@
     </p:spTree>
     <p:extLst>
       <p:ext uri="{BB962C8B-B14F-4D97-AF65-F5344CB8AC3E}">
-        <p14:creationId xmlns:p14="http://schemas.microsoft.com/office/powerpoint/2010/main" val="1897238205"/>
+        <p14:creationId xmlns:p14="http://schemas.microsoft.com/office/powerpoint/2010/main" val="2632127293"/>
       </p:ext>
     </p:extLst>
   </p:cSld>
@@ -6159,10 +6018,9 @@
           <a:lstStyle/>
           <a:p>
             <a:r>
-              <a:rPr lang="en-US" dirty="0" smtClean="0"/>
+              <a:rPr lang="en-US" dirty="0"/>
               <a:t>Introduction</a:t>
             </a:r>
-            <a:endParaRPr lang="en-US" dirty="0"/>
           </a:p>
         </p:txBody>
       </p:sp>
@@ -6190,11 +6048,7 @@
             </a:pPr>
             <a:r>
               <a:rPr lang="en-US" dirty="0"/>
-              <a:t>The Senior Project is the capstone of </a:t>
-            </a:r>
-            <a:r>
-              <a:rPr lang="en-US" dirty="0" smtClean="0"/>
-              <a:t>Software Engineering. </a:t>
+              <a:t>The Senior Project is the capstone of Software Engineering. </a:t>
             </a:r>
           </a:p>
           <a:p>
@@ -6204,14 +6058,9 @@
               </a:lnSpc>
             </a:pPr>
             <a:r>
-              <a:rPr lang="en-US" dirty="0" smtClean="0"/>
-              <a:t>It </a:t>
-            </a:r>
-            <a:r>
-              <a:rPr lang="en-US" dirty="0"/>
-              <a:t>concludes the series of required core computing, design, and software engineering courses. </a:t>
-            </a:r>
-            <a:endParaRPr lang="en-US" dirty="0" smtClean="0"/>
+              <a:rPr lang="en-US" dirty="0"/>
+              <a:t>It concludes the series of required core computing, design, and software engineering courses. </a:t>
+            </a:r>
           </a:p>
           <a:p>
             <a:pPr>
@@ -6220,14 +6069,9 @@
               </a:lnSpc>
             </a:pPr>
             <a:r>
-              <a:rPr lang="en-US" dirty="0" smtClean="0"/>
-              <a:t>The </a:t>
-            </a:r>
-            <a:r>
-              <a:rPr lang="en-US" dirty="0"/>
-              <a:t>Senior Project builds upon previous courses in mathematics, basic sciences, humanities, social sciences, professional issues, and communication skills. </a:t>
-            </a:r>
-            <a:endParaRPr lang="en-US" dirty="0" smtClean="0"/>
+              <a:rPr lang="en-US" dirty="0"/>
+              <a:t>The Senior Project builds upon previous courses in mathematics, basic sciences, humanities, social sciences, professional issues, and communication skills. </a:t>
+            </a:r>
           </a:p>
           <a:p>
             <a:pPr>
@@ -6236,14 +6080,9 @@
               </a:lnSpc>
             </a:pPr>
             <a:r>
-              <a:rPr lang="en-US" dirty="0" smtClean="0"/>
-              <a:t>Therefore</a:t>
-            </a:r>
-            <a:r>
-              <a:rPr lang="en-US" dirty="0"/>
-              <a:t>, it has been structured to be the major meaningful engineering experience for students. </a:t>
-            </a:r>
-            <a:endParaRPr lang="en-US" dirty="0" smtClean="0"/>
+              <a:rPr lang="en-US" dirty="0"/>
+              <a:t>Therefore, it has been structured to be the major meaningful engineering experience for students. </a:t>
+            </a:r>
           </a:p>
           <a:p>
             <a:pPr>
@@ -6252,12 +6091,8 @@
               </a:lnSpc>
             </a:pPr>
             <a:r>
-              <a:rPr lang="en-US" dirty="0" smtClean="0"/>
-              <a:t>Students </a:t>
-            </a:r>
-            <a:r>
-              <a:rPr lang="en-US" dirty="0"/>
-              <a:t>develop knowledge, skills, and attitudes in the sequence of courses that help them to integrate previous course work and to successfully plan, control, and implement design projects.</a:t>
+              <a:rPr lang="en-US" dirty="0"/>
+              <a:t>Students develop knowledge, skills, and attitudes in the sequence of courses that help them to integrate previous course work and to successfully plan, control, and implement design projects.</a:t>
             </a:r>
           </a:p>
         </p:txBody>
@@ -6296,13 +6131,6 @@
   <p:clrMapOvr>
     <a:masterClrMapping/>
   </p:clrMapOvr>
-  <p:timing>
-    <p:tnLst>
-      <p:par>
-        <p:cTn id="1" dur="indefinite" restart="never" nodeType="tmRoot"/>
-      </p:par>
-    </p:tnLst>
-  </p:timing>
 </p:sld>
 </file>
 
@@ -6325,7 +6153,13 @@
       </p:grpSpPr>
       <p:sp>
         <p:nvSpPr>
-          <p:cNvPr id="2" name="Title 1"/>
+          <p:cNvPr id="2" name="Title 1">
+            <a:extLst>
+              <a:ext uri="{FF2B5EF4-FFF2-40B4-BE49-F238E27FC236}">
+                <a16:creationId xmlns:a16="http://schemas.microsoft.com/office/drawing/2014/main" id="{431647AB-D187-5B74-1E5B-0FE19667E2DC}"/>
+              </a:ext>
+            </a:extLst>
+          </p:cNvPr>
           <p:cNvSpPr>
             <a:spLocks noGrp="1"/>
           </p:cNvSpPr>
@@ -6339,19 +6173,25 @@
           <a:lstStyle/>
           <a:p>
             <a:r>
-              <a:rPr lang="en-US" dirty="0" smtClean="0"/>
-              <a:t>Exchanging </a:t>
-            </a:r>
-            <a:r>
-              <a:rPr lang="en-US" dirty="0"/>
-              <a:t>Loyalty Points</a:t>
-            </a:r>
-          </a:p>
-        </p:txBody>
-      </p:sp>
-      <p:sp>
-        <p:nvSpPr>
-          <p:cNvPr id="3" name="Content Placeholder 2"/>
+              <a:rPr lang="en-US" dirty="0" err="1"/>
+              <a:t>Akaunting</a:t>
+            </a:r>
+            <a:r>
+              <a:rPr lang="en-US" dirty="0"/>
+              <a:t> Saudization</a:t>
+            </a:r>
+          </a:p>
+        </p:txBody>
+      </p:sp>
+      <p:sp>
+        <p:nvSpPr>
+          <p:cNvPr id="3" name="Content Placeholder 2">
+            <a:extLst>
+              <a:ext uri="{FF2B5EF4-FFF2-40B4-BE49-F238E27FC236}">
+                <a16:creationId xmlns:a16="http://schemas.microsoft.com/office/drawing/2014/main" id="{77A53AE9-3D65-10BD-5040-15A5ADE5BF7F}"/>
+              </a:ext>
+            </a:extLst>
+          </p:cNvPr>
           <p:cNvSpPr>
             <a:spLocks noGrp="1"/>
           </p:cNvSpPr>
@@ -6361,103 +6201,61 @@
         </p:nvSpPr>
         <p:spPr/>
         <p:txBody>
-          <a:bodyPr>
-            <a:normAutofit/>
-          </a:bodyPr>
-          <a:lstStyle/>
-          <a:p>
-            <a:r>
-              <a:rPr lang="en-US" dirty="0"/>
-              <a:t>Expected Outcomes:</a:t>
+          <a:bodyPr/>
+          <a:lstStyle/>
+          <a:p>
+            <a:r>
+              <a:rPr lang="en-US" dirty="0"/>
+              <a:t>High-level features:</a:t>
             </a:r>
           </a:p>
           <a:p>
             <a:pPr lvl="1"/>
             <a:r>
-              <a:rPr lang="en-US" dirty="0" smtClean="0"/>
-              <a:t>Improved </a:t>
-            </a:r>
-            <a:r>
-              <a:rPr lang="en-US" dirty="0"/>
-              <a:t>User </a:t>
-            </a:r>
-            <a:r>
-              <a:rPr lang="en-US" dirty="0" smtClean="0"/>
-              <a:t>Experience</a:t>
-            </a:r>
-          </a:p>
-          <a:p>
-            <a:pPr lvl="1"/>
-            <a:r>
-              <a:rPr lang="en-US" dirty="0" smtClean="0"/>
-              <a:t>Increased Security</a:t>
-            </a:r>
-          </a:p>
-          <a:p>
-            <a:pPr lvl="1"/>
-            <a:r>
-              <a:rPr lang="en-US" dirty="0" smtClean="0"/>
-              <a:t>Reduced </a:t>
-            </a:r>
-            <a:r>
-              <a:rPr lang="en-US" dirty="0"/>
-              <a:t>Operational </a:t>
-            </a:r>
-            <a:r>
-              <a:rPr lang="en-US" dirty="0" smtClean="0"/>
-              <a:t>Costs</a:t>
-            </a:r>
-          </a:p>
-          <a:p>
-            <a:pPr lvl="1"/>
-            <a:r>
-              <a:rPr lang="en-US" dirty="0" smtClean="0"/>
-              <a:t>Enhanced Transparency</a:t>
-            </a:r>
-          </a:p>
-          <a:p>
-            <a:pPr lvl="1"/>
-            <a:r>
-              <a:rPr lang="en-US" dirty="0" smtClean="0"/>
-              <a:t>Increased </a:t>
-            </a:r>
-            <a:r>
-              <a:rPr lang="en-US" dirty="0"/>
-              <a:t>User </a:t>
-            </a:r>
-            <a:r>
-              <a:rPr lang="en-US" dirty="0" smtClean="0"/>
-              <a:t>Engagement</a:t>
-            </a:r>
-          </a:p>
-          <a:p>
-            <a:pPr lvl="1"/>
-            <a:r>
-              <a:rPr lang="en-US" dirty="0" smtClean="0"/>
-              <a:t>Better </a:t>
-            </a:r>
-            <a:r>
-              <a:rPr lang="en-US" dirty="0"/>
-              <a:t>Data </a:t>
-            </a:r>
-            <a:r>
-              <a:rPr lang="en-US" dirty="0" smtClean="0"/>
-              <a:t>Management</a:t>
-            </a:r>
-          </a:p>
-          <a:p>
-            <a:pPr lvl="1"/>
-            <a:r>
-              <a:rPr lang="en-US" dirty="0" smtClean="0"/>
-              <a:t>Scalability</a:t>
-            </a:r>
-            <a:endParaRPr lang="en-US" dirty="0"/>
-          </a:p>
-        </p:txBody>
-      </p:sp>
-      <p:sp>
-        <p:nvSpPr>
-          <p:cNvPr id="4" name="Slide Number Placeholder 3"/>
+              <a:rPr lang="en-US" dirty="0"/>
+              <a:t>User interface:</a:t>
+            </a:r>
+          </a:p>
+          <a:p>
+            <a:pPr lvl="2"/>
+            <a:r>
+              <a:rPr lang="en-US" dirty="0"/>
+              <a:t>Customize </a:t>
+            </a:r>
+            <a:r>
+              <a:rPr lang="en-US" dirty="0" err="1"/>
+              <a:t>Akaunting's</a:t>
+            </a:r>
+            <a:r>
+              <a:rPr lang="en-US" dirty="0"/>
+              <a:t> user interface to support Arabic language and formatting.</a:t>
+            </a:r>
+          </a:p>
+          <a:p>
+            <a:pPr lvl="2"/>
+            <a:r>
+              <a:rPr lang="en-US" dirty="0"/>
+              <a:t>Implement a user-friendly interface that is easy to navigate and understand for users in Saudi Arabia.</a:t>
+            </a:r>
+          </a:p>
+          <a:p>
+            <a:pPr lvl="2"/>
+            <a:r>
+              <a:rPr lang="en-US" dirty="0"/>
+              <a:t>Ensure that the interface complies with Saudi Arabia's accessibility standards.</a:t>
+            </a:r>
+          </a:p>
+        </p:txBody>
+      </p:sp>
+      <p:sp>
+        <p:nvSpPr>
+          <p:cNvPr id="4" name="Slide Number Placeholder 3">
+            <a:extLst>
+              <a:ext uri="{FF2B5EF4-FFF2-40B4-BE49-F238E27FC236}">
+                <a16:creationId xmlns:a16="http://schemas.microsoft.com/office/drawing/2014/main" id="{92352600-AC5E-780D-A4AE-592C81DBAAB4}"/>
+              </a:ext>
+            </a:extLst>
+          </p:cNvPr>
           <p:cNvSpPr>
             <a:spLocks noGrp="1"/>
           </p:cNvSpPr>
@@ -6482,7 +6280,7 @@
     </p:spTree>
     <p:extLst>
       <p:ext uri="{BB962C8B-B14F-4D97-AF65-F5344CB8AC3E}">
-        <p14:creationId xmlns:p14="http://schemas.microsoft.com/office/powerpoint/2010/main" val="19907950"/>
+        <p14:creationId xmlns:p14="http://schemas.microsoft.com/office/powerpoint/2010/main" val="1241174585"/>
       </p:ext>
     </p:extLst>
   </p:cSld>
@@ -6511,7 +6309,13 @@
       </p:grpSpPr>
       <p:sp>
         <p:nvSpPr>
-          <p:cNvPr id="2" name="Title 1"/>
+          <p:cNvPr id="2" name="Title 1">
+            <a:extLst>
+              <a:ext uri="{FF2B5EF4-FFF2-40B4-BE49-F238E27FC236}">
+                <a16:creationId xmlns:a16="http://schemas.microsoft.com/office/drawing/2014/main" id="{431647AB-D187-5B74-1E5B-0FE19667E2DC}"/>
+              </a:ext>
+            </a:extLst>
+          </p:cNvPr>
           <p:cNvSpPr>
             <a:spLocks noGrp="1"/>
           </p:cNvSpPr>
@@ -6525,15 +6329,25 @@
           <a:lstStyle/>
           <a:p>
             <a:r>
-              <a:rPr lang="en-US" dirty="0"/>
-              <a:t>Student Grievance System</a:t>
-            </a:r>
-          </a:p>
-        </p:txBody>
-      </p:sp>
-      <p:sp>
-        <p:nvSpPr>
-          <p:cNvPr id="3" name="Content Placeholder 2"/>
+              <a:rPr lang="en-US" dirty="0" err="1"/>
+              <a:t>Akaunting</a:t>
+            </a:r>
+            <a:r>
+              <a:rPr lang="en-US" dirty="0"/>
+              <a:t> Saudization</a:t>
+            </a:r>
+          </a:p>
+        </p:txBody>
+      </p:sp>
+      <p:sp>
+        <p:nvSpPr>
+          <p:cNvPr id="3" name="Content Placeholder 2">
+            <a:extLst>
+              <a:ext uri="{FF2B5EF4-FFF2-40B4-BE49-F238E27FC236}">
+                <a16:creationId xmlns:a16="http://schemas.microsoft.com/office/drawing/2014/main" id="{77A53AE9-3D65-10BD-5040-15A5ADE5BF7F}"/>
+              </a:ext>
+            </a:extLst>
+          </p:cNvPr>
           <p:cNvSpPr>
             <a:spLocks noGrp="1"/>
           </p:cNvSpPr>
@@ -6543,30 +6357,70 @@
         </p:nvSpPr>
         <p:spPr/>
         <p:txBody>
-          <a:bodyPr/>
-          <a:lstStyle/>
-          <a:p>
-            <a:r>
-              <a:rPr lang="en-US" dirty="0"/>
-              <a:t>The goal of this project is to create a Python-based Student Grievance System that addresses students' issues and grievances, promoting a conflict-free atmosphere and good student-teacher relationships. </a:t>
-            </a:r>
-            <a:endParaRPr lang="en-US" dirty="0" smtClean="0"/>
-          </a:p>
-          <a:p>
-            <a:r>
-              <a:rPr lang="en-US" dirty="0" smtClean="0"/>
-              <a:t>The </a:t>
-            </a:r>
-            <a:r>
-              <a:rPr lang="en-US" dirty="0"/>
-              <a:t>system aims to provide a platform for students to voice their concerns and complaints, which will be redressed by the institute, creating a protective environment for students.</a:t>
-            </a:r>
-          </a:p>
-        </p:txBody>
-      </p:sp>
-      <p:sp>
-        <p:nvSpPr>
-          <p:cNvPr id="4" name="Slide Number Placeholder 3"/>
+          <a:bodyPr>
+            <a:normAutofit/>
+          </a:bodyPr>
+          <a:lstStyle/>
+          <a:p>
+            <a:r>
+              <a:rPr lang="en-US" dirty="0"/>
+              <a:t>Expected outcomes:</a:t>
+            </a:r>
+          </a:p>
+          <a:p>
+            <a:pPr lvl="1"/>
+            <a:r>
+              <a:rPr lang="en-US" dirty="0"/>
+              <a:t>A customized version of </a:t>
+            </a:r>
+            <a:r>
+              <a:rPr lang="en-US" dirty="0" err="1"/>
+              <a:t>Akaunting</a:t>
+            </a:r>
+            <a:r>
+              <a:rPr lang="en-US" dirty="0"/>
+              <a:t> that complies with Saudi Arabia's regulations on reporting, taxing, and invoicing.</a:t>
+            </a:r>
+          </a:p>
+          <a:p>
+            <a:pPr lvl="1"/>
+            <a:r>
+              <a:rPr lang="en-US" dirty="0"/>
+              <a:t>A user-friendly interface that supports Arabic language and formatting.</a:t>
+            </a:r>
+          </a:p>
+          <a:p>
+            <a:pPr lvl="1"/>
+            <a:r>
+              <a:rPr lang="en-US" dirty="0"/>
+              <a:t>Accurate tax calculations and reporting that comply with Saudi Arabia's tax regulations.</a:t>
+            </a:r>
+          </a:p>
+          <a:p>
+            <a:pPr lvl="1"/>
+            <a:r>
+              <a:rPr lang="en-US" dirty="0"/>
+              <a:t>Improved financial management and compliance for businesses in Saudi Arabia.</a:t>
+            </a:r>
+          </a:p>
+          <a:p>
+            <a:pPr lvl="1"/>
+            <a:r>
+              <a:rPr lang="en-US" dirty="0"/>
+              <a:t>Enhanced collaboration between businesses and financial institutions in Saudi Arabia.</a:t>
+            </a:r>
+          </a:p>
+        </p:txBody>
+      </p:sp>
+      <p:sp>
+        <p:nvSpPr>
+          <p:cNvPr id="4" name="Slide Number Placeholder 3">
+            <a:extLst>
+              <a:ext uri="{FF2B5EF4-FFF2-40B4-BE49-F238E27FC236}">
+                <a16:creationId xmlns:a16="http://schemas.microsoft.com/office/drawing/2014/main" id="{92352600-AC5E-780D-A4AE-592C81DBAAB4}"/>
+              </a:ext>
+            </a:extLst>
+          </p:cNvPr>
           <p:cNvSpPr>
             <a:spLocks noGrp="1"/>
           </p:cNvSpPr>
@@ -6591,7 +6445,7 @@
     </p:spTree>
     <p:extLst>
       <p:ext uri="{BB962C8B-B14F-4D97-AF65-F5344CB8AC3E}">
-        <p14:creationId xmlns:p14="http://schemas.microsoft.com/office/powerpoint/2010/main" val="3406527942"/>
+        <p14:creationId xmlns:p14="http://schemas.microsoft.com/office/powerpoint/2010/main" val="300487215"/>
       </p:ext>
     </p:extLst>
   </p:cSld>
@@ -6620,34 +6474,18 @@
       </p:grpSpPr>
       <p:sp>
         <p:nvSpPr>
-          <p:cNvPr id="2" name="Title 1"/>
+          <p:cNvPr id="2" name="Title 1">
+            <a:extLst>
+              <a:ext uri="{FF2B5EF4-FFF2-40B4-BE49-F238E27FC236}">
+                <a16:creationId xmlns:a16="http://schemas.microsoft.com/office/drawing/2014/main" id="{7BF43523-9C5D-E408-3089-D4D418219E21}"/>
+              </a:ext>
+            </a:extLst>
+          </p:cNvPr>
           <p:cNvSpPr>
             <a:spLocks noGrp="1"/>
           </p:cNvSpPr>
           <p:nvPr>
             <p:ph type="title"/>
-          </p:nvPr>
-        </p:nvSpPr>
-        <p:spPr/>
-        <p:txBody>
-          <a:bodyPr/>
-          <a:lstStyle/>
-          <a:p>
-            <a:r>
-              <a:rPr lang="en-US" dirty="0"/>
-              <a:t>Student Grievance System</a:t>
-            </a:r>
-          </a:p>
-        </p:txBody>
-      </p:sp>
-      <p:sp>
-        <p:nvSpPr>
-          <p:cNvPr id="3" name="Content Placeholder 2"/>
-          <p:cNvSpPr>
-            <a:spLocks noGrp="1"/>
-          </p:cNvSpPr>
-          <p:nvPr>
-            <p:ph idx="1"/>
           </p:nvPr>
         </p:nvSpPr>
         <p:spPr/>
@@ -6658,74 +6496,67 @@
           <a:lstStyle/>
           <a:p>
             <a:r>
-              <a:rPr lang="en-US" dirty="0"/>
-              <a:t>Main Features:</a:t>
-            </a:r>
-          </a:p>
-          <a:p>
-            <a:pPr lvl="1"/>
-            <a:r>
-              <a:rPr lang="en-US" dirty="0" smtClean="0"/>
-              <a:t>Grievance Reporting</a:t>
-            </a:r>
-          </a:p>
-          <a:p>
-            <a:pPr lvl="1"/>
-            <a:r>
-              <a:rPr lang="en-US" dirty="0" smtClean="0"/>
-              <a:t>Student-Teacher Communication</a:t>
-            </a:r>
-          </a:p>
-          <a:p>
-            <a:pPr lvl="1"/>
-            <a:r>
-              <a:rPr lang="en-US" dirty="0" smtClean="0"/>
-              <a:t>Grievance Tracking</a:t>
-            </a:r>
-          </a:p>
-          <a:p>
-            <a:pPr lvl="1"/>
-            <a:r>
-              <a:rPr lang="en-US" dirty="0" smtClean="0"/>
-              <a:t>Resolution Management</a:t>
-            </a:r>
-          </a:p>
-          <a:p>
-            <a:pPr lvl="1"/>
-            <a:r>
-              <a:rPr lang="en-US" dirty="0" smtClean="0"/>
-              <a:t>Reporting </a:t>
-            </a:r>
-            <a:r>
-              <a:rPr lang="en-US" dirty="0"/>
-              <a:t>and </a:t>
-            </a:r>
-            <a:r>
-              <a:rPr lang="en-US" dirty="0" smtClean="0"/>
-              <a:t>Analytics</a:t>
-            </a:r>
-          </a:p>
-          <a:p>
-            <a:pPr lvl="1"/>
-            <a:r>
-              <a:rPr lang="en-US" dirty="0" smtClean="0"/>
-              <a:t>Security </a:t>
-            </a:r>
-            <a:r>
-              <a:rPr lang="en-US" dirty="0"/>
-              <a:t>and Access </a:t>
-            </a:r>
-            <a:r>
-              <a:rPr lang="en-US" dirty="0" smtClean="0"/>
-              <a:t>Control</a:t>
-            </a:r>
-            <a:endParaRPr lang="en-US" dirty="0"/>
-          </a:p>
-        </p:txBody>
-      </p:sp>
-      <p:sp>
-        <p:nvSpPr>
-          <p:cNvPr id="4" name="Slide Number Placeholder 3"/>
+              <a:rPr lang="en-US" dirty="0" err="1"/>
+              <a:t>SuiteCRM</a:t>
+            </a:r>
+            <a:r>
+              <a:rPr lang="en-US" dirty="0"/>
+              <a:t> Saudization</a:t>
+            </a:r>
+          </a:p>
+        </p:txBody>
+      </p:sp>
+      <p:sp>
+        <p:nvSpPr>
+          <p:cNvPr id="3" name="Content Placeholder 2">
+            <a:extLst>
+              <a:ext uri="{FF2B5EF4-FFF2-40B4-BE49-F238E27FC236}">
+                <a16:creationId xmlns:a16="http://schemas.microsoft.com/office/drawing/2014/main" id="{E3BF297D-5F5B-A526-1CAC-3975E31F22D1}"/>
+              </a:ext>
+            </a:extLst>
+          </p:cNvPr>
+          <p:cNvSpPr>
+            <a:spLocks noGrp="1"/>
+          </p:cNvSpPr>
+          <p:nvPr>
+            <p:ph idx="1"/>
+          </p:nvPr>
+        </p:nvSpPr>
+        <p:spPr/>
+        <p:txBody>
+          <a:bodyPr/>
+          <a:lstStyle/>
+          <a:p>
+            <a:r>
+              <a:rPr lang="en-US" dirty="0"/>
+              <a:t>The goal of this project is to customize </a:t>
+            </a:r>
+            <a:r>
+              <a:rPr lang="en-US" dirty="0" err="1"/>
+              <a:t>SuiteCRM</a:t>
+            </a:r>
+            <a:r>
+              <a:rPr lang="en-US" dirty="0"/>
+              <a:t>, an open-source customer relationship management (CRM) system, to fit the needs of the Saudi market. </a:t>
+            </a:r>
+          </a:p>
+          <a:p>
+            <a:r>
+              <a:rPr lang="en-US" dirty="0"/>
+              <a:t>The customization should address cultural and language differences, as well as local business practices and regulations.</a:t>
+            </a:r>
+          </a:p>
+        </p:txBody>
+      </p:sp>
+      <p:sp>
+        <p:nvSpPr>
+          <p:cNvPr id="4" name="Slide Number Placeholder 3">
+            <a:extLst>
+              <a:ext uri="{FF2B5EF4-FFF2-40B4-BE49-F238E27FC236}">
+                <a16:creationId xmlns:a16="http://schemas.microsoft.com/office/drawing/2014/main" id="{1AB4E19E-26A4-B023-9B0D-E5527DCCB342}"/>
+              </a:ext>
+            </a:extLst>
+          </p:cNvPr>
           <p:cNvSpPr>
             <a:spLocks noGrp="1"/>
           </p:cNvSpPr>
@@ -6750,7 +6581,7 @@
     </p:spTree>
     <p:extLst>
       <p:ext uri="{BB962C8B-B14F-4D97-AF65-F5344CB8AC3E}">
-        <p14:creationId xmlns:p14="http://schemas.microsoft.com/office/powerpoint/2010/main" val="1134286555"/>
+        <p14:creationId xmlns:p14="http://schemas.microsoft.com/office/powerpoint/2010/main" val="3699038239"/>
       </p:ext>
     </p:extLst>
   </p:cSld>
@@ -6779,34 +6610,18 @@
       </p:grpSpPr>
       <p:sp>
         <p:nvSpPr>
-          <p:cNvPr id="2" name="Title 1"/>
+          <p:cNvPr id="2" name="Title 1">
+            <a:extLst>
+              <a:ext uri="{FF2B5EF4-FFF2-40B4-BE49-F238E27FC236}">
+                <a16:creationId xmlns:a16="http://schemas.microsoft.com/office/drawing/2014/main" id="{7BF43523-9C5D-E408-3089-D4D418219E21}"/>
+              </a:ext>
+            </a:extLst>
+          </p:cNvPr>
           <p:cNvSpPr>
             <a:spLocks noGrp="1"/>
           </p:cNvSpPr>
           <p:nvPr>
             <p:ph type="title"/>
-          </p:nvPr>
-        </p:nvSpPr>
-        <p:spPr/>
-        <p:txBody>
-          <a:bodyPr/>
-          <a:lstStyle/>
-          <a:p>
-            <a:r>
-              <a:rPr lang="en-US" dirty="0"/>
-              <a:t>Student Grievance System</a:t>
-            </a:r>
-          </a:p>
-        </p:txBody>
-      </p:sp>
-      <p:sp>
-        <p:nvSpPr>
-          <p:cNvPr id="3" name="Content Placeholder 2"/>
-          <p:cNvSpPr>
-            <a:spLocks noGrp="1"/>
-          </p:cNvSpPr>
-          <p:nvPr>
-            <p:ph idx="1"/>
           </p:nvPr>
         </p:nvSpPr>
         <p:spPr/>
@@ -6817,74 +6632,74 @@
           <a:lstStyle/>
           <a:p>
             <a:r>
-              <a:rPr lang="en-US" dirty="0"/>
-              <a:t>Expected Outcomes:</a:t>
+              <a:rPr lang="en-US" dirty="0" err="1"/>
+              <a:t>SuiteCRM</a:t>
+            </a:r>
+            <a:r>
+              <a:rPr lang="en-US" dirty="0"/>
+              <a:t> Saudization</a:t>
+            </a:r>
+          </a:p>
+        </p:txBody>
+      </p:sp>
+      <p:sp>
+        <p:nvSpPr>
+          <p:cNvPr id="3" name="Content Placeholder 2">
+            <a:extLst>
+              <a:ext uri="{FF2B5EF4-FFF2-40B4-BE49-F238E27FC236}">
+                <a16:creationId xmlns:a16="http://schemas.microsoft.com/office/drawing/2014/main" id="{E3BF297D-5F5B-A526-1CAC-3975E31F22D1}"/>
+              </a:ext>
+            </a:extLst>
+          </p:cNvPr>
+          <p:cNvSpPr>
+            <a:spLocks noGrp="1"/>
+          </p:cNvSpPr>
+          <p:nvPr>
+            <p:ph idx="1"/>
+          </p:nvPr>
+        </p:nvSpPr>
+        <p:spPr/>
+        <p:txBody>
+          <a:bodyPr/>
+          <a:lstStyle/>
+          <a:p>
+            <a:r>
+              <a:rPr lang="en-US" dirty="0"/>
+              <a:t>High Level Features:</a:t>
             </a:r>
           </a:p>
           <a:p>
             <a:pPr lvl="1"/>
             <a:r>
-              <a:rPr lang="en-US" dirty="0" smtClean="0"/>
-              <a:t>Improved </a:t>
-            </a:r>
-            <a:r>
-              <a:rPr lang="en-US" dirty="0"/>
-              <a:t>Student </a:t>
-            </a:r>
-            <a:r>
-              <a:rPr lang="en-US" dirty="0" smtClean="0"/>
-              <a:t>Satisfaction</a:t>
-            </a:r>
-          </a:p>
-          <a:p>
-            <a:pPr lvl="1"/>
-            <a:r>
-              <a:rPr lang="en-US" dirty="0" smtClean="0"/>
-              <a:t>Enhanced Communication</a:t>
-            </a:r>
-          </a:p>
-          <a:p>
-            <a:pPr lvl="1"/>
-            <a:r>
-              <a:rPr lang="en-US" dirty="0" smtClean="0"/>
-              <a:t>Timely Resolution</a:t>
-            </a:r>
-          </a:p>
-          <a:p>
-            <a:pPr lvl="1"/>
-            <a:r>
-              <a:rPr lang="en-US" dirty="0" smtClean="0"/>
-              <a:t>Increased Transparency</a:t>
-            </a:r>
-          </a:p>
-          <a:p>
-            <a:pPr lvl="1"/>
-            <a:r>
-              <a:rPr lang="en-US" dirty="0" smtClean="0"/>
-              <a:t>Data-Driven </a:t>
-            </a:r>
-            <a:r>
-              <a:rPr lang="en-US" dirty="0"/>
-              <a:t>Decision </a:t>
-            </a:r>
-            <a:r>
-              <a:rPr lang="en-US" dirty="0" smtClean="0"/>
-              <a:t>Making</a:t>
-            </a:r>
-          </a:p>
-          <a:p>
-            <a:pPr lvl="1"/>
-            <a:r>
-              <a:rPr lang="en-US" dirty="0" smtClean="0"/>
-              <a:t>Protective Environment</a:t>
-            </a:r>
-            <a:endParaRPr lang="en-US" dirty="0"/>
-          </a:p>
-        </p:txBody>
-      </p:sp>
-      <p:sp>
-        <p:nvSpPr>
-          <p:cNvPr id="4" name="Slide Number Placeholder 3"/>
+              <a:rPr lang="en-US" dirty="0"/>
+              <a:t>Arabic Language Support:</a:t>
+            </a:r>
+          </a:p>
+          <a:p>
+            <a:pPr lvl="2"/>
+            <a:r>
+              <a:rPr lang="en-US" dirty="0"/>
+              <a:t>The system should support Arabic language for user interface, documentation, and reporting.</a:t>
+            </a:r>
+          </a:p>
+          <a:p>
+            <a:pPr lvl="2"/>
+            <a:r>
+              <a:rPr lang="en-US" dirty="0"/>
+              <a:t>The system should be able to handle Arabic text data, including names, addresses, and other customer information.</a:t>
+            </a:r>
+          </a:p>
+        </p:txBody>
+      </p:sp>
+      <p:sp>
+        <p:nvSpPr>
+          <p:cNvPr id="4" name="Slide Number Placeholder 3">
+            <a:extLst>
+              <a:ext uri="{FF2B5EF4-FFF2-40B4-BE49-F238E27FC236}">
+                <a16:creationId xmlns:a16="http://schemas.microsoft.com/office/drawing/2014/main" id="{1AB4E19E-26A4-B023-9B0D-E5527DCCB342}"/>
+              </a:ext>
+            </a:extLst>
+          </p:cNvPr>
           <p:cNvSpPr>
             <a:spLocks noGrp="1"/>
           </p:cNvSpPr>
@@ -6909,7 +6724,867 @@
     </p:spTree>
     <p:extLst>
       <p:ext uri="{BB962C8B-B14F-4D97-AF65-F5344CB8AC3E}">
-        <p14:creationId xmlns:p14="http://schemas.microsoft.com/office/powerpoint/2010/main" val="1265853895"/>
+        <p14:creationId xmlns:p14="http://schemas.microsoft.com/office/powerpoint/2010/main" val="1987064180"/>
+      </p:ext>
+    </p:extLst>
+  </p:cSld>
+  <p:clrMapOvr>
+    <a:masterClrMapping/>
+  </p:clrMapOvr>
+</p:sld>
+</file>
+
+<file path=ppt/slides/slide24.xml><?xml version="1.0" encoding="utf-8"?>
+<p:sld xmlns:a="http://schemas.openxmlformats.org/drawingml/2006/main" xmlns:r="http://schemas.openxmlformats.org/officeDocument/2006/relationships" xmlns:p="http://schemas.openxmlformats.org/presentationml/2006/main">
+  <p:cSld>
+    <p:spTree>
+      <p:nvGrpSpPr>
+        <p:cNvPr id="1" name=""/>
+        <p:cNvGrpSpPr/>
+        <p:nvPr/>
+      </p:nvGrpSpPr>
+      <p:grpSpPr>
+        <a:xfrm>
+          <a:off x="0" y="0"/>
+          <a:ext cx="0" cy="0"/>
+          <a:chOff x="0" y="0"/>
+          <a:chExt cx="0" cy="0"/>
+        </a:xfrm>
+      </p:grpSpPr>
+      <p:sp>
+        <p:nvSpPr>
+          <p:cNvPr id="2" name="Title 1">
+            <a:extLst>
+              <a:ext uri="{FF2B5EF4-FFF2-40B4-BE49-F238E27FC236}">
+                <a16:creationId xmlns:a16="http://schemas.microsoft.com/office/drawing/2014/main" id="{7BF43523-9C5D-E408-3089-D4D418219E21}"/>
+              </a:ext>
+            </a:extLst>
+          </p:cNvPr>
+          <p:cNvSpPr>
+            <a:spLocks noGrp="1"/>
+          </p:cNvSpPr>
+          <p:nvPr>
+            <p:ph type="title"/>
+          </p:nvPr>
+        </p:nvSpPr>
+        <p:spPr/>
+        <p:txBody>
+          <a:bodyPr>
+            <a:normAutofit/>
+          </a:bodyPr>
+          <a:lstStyle/>
+          <a:p>
+            <a:r>
+              <a:rPr lang="en-US" dirty="0" err="1"/>
+              <a:t>SuiteCRM</a:t>
+            </a:r>
+            <a:r>
+              <a:rPr lang="en-US" dirty="0"/>
+              <a:t> Saudization</a:t>
+            </a:r>
+          </a:p>
+        </p:txBody>
+      </p:sp>
+      <p:sp>
+        <p:nvSpPr>
+          <p:cNvPr id="3" name="Content Placeholder 2">
+            <a:extLst>
+              <a:ext uri="{FF2B5EF4-FFF2-40B4-BE49-F238E27FC236}">
+                <a16:creationId xmlns:a16="http://schemas.microsoft.com/office/drawing/2014/main" id="{E3BF297D-5F5B-A526-1CAC-3975E31F22D1}"/>
+              </a:ext>
+            </a:extLst>
+          </p:cNvPr>
+          <p:cNvSpPr>
+            <a:spLocks noGrp="1"/>
+          </p:cNvSpPr>
+          <p:nvPr>
+            <p:ph idx="1"/>
+          </p:nvPr>
+        </p:nvSpPr>
+        <p:spPr/>
+        <p:txBody>
+          <a:bodyPr/>
+          <a:lstStyle/>
+          <a:p>
+            <a:r>
+              <a:rPr lang="en-US" dirty="0"/>
+              <a:t>High Level Features:</a:t>
+            </a:r>
+          </a:p>
+          <a:p>
+            <a:pPr lvl="1"/>
+            <a:r>
+              <a:rPr lang="en-US" dirty="0"/>
+              <a:t>Islamic Calendar:</a:t>
+            </a:r>
+          </a:p>
+          <a:p>
+            <a:pPr lvl="2"/>
+            <a:r>
+              <a:rPr lang="en-US" dirty="0"/>
+              <a:t>The system should use the Islamic calendar instead of the Gregorian calendar.</a:t>
+            </a:r>
+          </a:p>
+          <a:p>
+            <a:pPr lvl="2"/>
+            <a:r>
+              <a:rPr lang="en-US" dirty="0"/>
+              <a:t>The system should be able to handle dates and scheduling based on the Islamic calendar.</a:t>
+            </a:r>
+          </a:p>
+        </p:txBody>
+      </p:sp>
+      <p:sp>
+        <p:nvSpPr>
+          <p:cNvPr id="4" name="Slide Number Placeholder 3">
+            <a:extLst>
+              <a:ext uri="{FF2B5EF4-FFF2-40B4-BE49-F238E27FC236}">
+                <a16:creationId xmlns:a16="http://schemas.microsoft.com/office/drawing/2014/main" id="{1AB4E19E-26A4-B023-9B0D-E5527DCCB342}"/>
+              </a:ext>
+            </a:extLst>
+          </p:cNvPr>
+          <p:cNvSpPr>
+            <a:spLocks noGrp="1"/>
+          </p:cNvSpPr>
+          <p:nvPr>
+            <p:ph type="sldNum" sz="quarter" idx="12"/>
+          </p:nvPr>
+        </p:nvSpPr>
+        <p:spPr/>
+        <p:txBody>
+          <a:bodyPr/>
+          <a:lstStyle/>
+          <a:p>
+            <a:fld id="{B8DACC02-A2BD-4578-8E03-6D891060A695}" type="slidenum">
+              <a:rPr lang="en-US" smtClean="0"/>
+              <a:pPr/>
+              <a:t>24</a:t>
+            </a:fld>
+            <a:endParaRPr lang="en-US" dirty="0"/>
+          </a:p>
+        </p:txBody>
+      </p:sp>
+    </p:spTree>
+    <p:extLst>
+      <p:ext uri="{BB962C8B-B14F-4D97-AF65-F5344CB8AC3E}">
+        <p14:creationId xmlns:p14="http://schemas.microsoft.com/office/powerpoint/2010/main" val="3101988485"/>
+      </p:ext>
+    </p:extLst>
+  </p:cSld>
+  <p:clrMapOvr>
+    <a:masterClrMapping/>
+  </p:clrMapOvr>
+</p:sld>
+</file>
+
+<file path=ppt/slides/slide25.xml><?xml version="1.0" encoding="utf-8"?>
+<p:sld xmlns:a="http://schemas.openxmlformats.org/drawingml/2006/main" xmlns:r="http://schemas.openxmlformats.org/officeDocument/2006/relationships" xmlns:p="http://schemas.openxmlformats.org/presentationml/2006/main">
+  <p:cSld>
+    <p:spTree>
+      <p:nvGrpSpPr>
+        <p:cNvPr id="1" name=""/>
+        <p:cNvGrpSpPr/>
+        <p:nvPr/>
+      </p:nvGrpSpPr>
+      <p:grpSpPr>
+        <a:xfrm>
+          <a:off x="0" y="0"/>
+          <a:ext cx="0" cy="0"/>
+          <a:chOff x="0" y="0"/>
+          <a:chExt cx="0" cy="0"/>
+        </a:xfrm>
+      </p:grpSpPr>
+      <p:sp>
+        <p:nvSpPr>
+          <p:cNvPr id="2" name="Title 1">
+            <a:extLst>
+              <a:ext uri="{FF2B5EF4-FFF2-40B4-BE49-F238E27FC236}">
+                <a16:creationId xmlns:a16="http://schemas.microsoft.com/office/drawing/2014/main" id="{7BF43523-9C5D-E408-3089-D4D418219E21}"/>
+              </a:ext>
+            </a:extLst>
+          </p:cNvPr>
+          <p:cNvSpPr>
+            <a:spLocks noGrp="1"/>
+          </p:cNvSpPr>
+          <p:nvPr>
+            <p:ph type="title"/>
+          </p:nvPr>
+        </p:nvSpPr>
+        <p:spPr/>
+        <p:txBody>
+          <a:bodyPr>
+            <a:normAutofit/>
+          </a:bodyPr>
+          <a:lstStyle/>
+          <a:p>
+            <a:r>
+              <a:rPr lang="en-US" dirty="0" err="1"/>
+              <a:t>SuiteCRM</a:t>
+            </a:r>
+            <a:r>
+              <a:rPr lang="en-US" dirty="0"/>
+              <a:t> Saudization</a:t>
+            </a:r>
+          </a:p>
+        </p:txBody>
+      </p:sp>
+      <p:sp>
+        <p:nvSpPr>
+          <p:cNvPr id="3" name="Content Placeholder 2">
+            <a:extLst>
+              <a:ext uri="{FF2B5EF4-FFF2-40B4-BE49-F238E27FC236}">
+                <a16:creationId xmlns:a16="http://schemas.microsoft.com/office/drawing/2014/main" id="{E3BF297D-5F5B-A526-1CAC-3975E31F22D1}"/>
+              </a:ext>
+            </a:extLst>
+          </p:cNvPr>
+          <p:cNvSpPr>
+            <a:spLocks noGrp="1"/>
+          </p:cNvSpPr>
+          <p:nvPr>
+            <p:ph idx="1"/>
+          </p:nvPr>
+        </p:nvSpPr>
+        <p:spPr/>
+        <p:txBody>
+          <a:bodyPr/>
+          <a:lstStyle/>
+          <a:p>
+            <a:r>
+              <a:rPr lang="en-US" dirty="0"/>
+              <a:t>High Level Features:</a:t>
+            </a:r>
+          </a:p>
+          <a:p>
+            <a:pPr lvl="1"/>
+            <a:r>
+              <a:rPr lang="en-US" dirty="0"/>
+              <a:t>Localization of Currency and Units:</a:t>
+            </a:r>
+          </a:p>
+          <a:p>
+            <a:pPr lvl="2"/>
+            <a:r>
+              <a:rPr lang="en-US" dirty="0"/>
+              <a:t>The system should support the Saudi Riyal (SAR) as the local currency.</a:t>
+            </a:r>
+          </a:p>
+          <a:p>
+            <a:pPr lvl="2"/>
+            <a:r>
+              <a:rPr lang="en-US" dirty="0"/>
+              <a:t>The system should be able to handle units of measurement used in Saudi Arabia (e.g., meters, liters, etc.).</a:t>
+            </a:r>
+          </a:p>
+        </p:txBody>
+      </p:sp>
+      <p:sp>
+        <p:nvSpPr>
+          <p:cNvPr id="4" name="Slide Number Placeholder 3">
+            <a:extLst>
+              <a:ext uri="{FF2B5EF4-FFF2-40B4-BE49-F238E27FC236}">
+                <a16:creationId xmlns:a16="http://schemas.microsoft.com/office/drawing/2014/main" id="{1AB4E19E-26A4-B023-9B0D-E5527DCCB342}"/>
+              </a:ext>
+            </a:extLst>
+          </p:cNvPr>
+          <p:cNvSpPr>
+            <a:spLocks noGrp="1"/>
+          </p:cNvSpPr>
+          <p:nvPr>
+            <p:ph type="sldNum" sz="quarter" idx="12"/>
+          </p:nvPr>
+        </p:nvSpPr>
+        <p:spPr/>
+        <p:txBody>
+          <a:bodyPr/>
+          <a:lstStyle/>
+          <a:p>
+            <a:fld id="{B8DACC02-A2BD-4578-8E03-6D891060A695}" type="slidenum">
+              <a:rPr lang="en-US" smtClean="0"/>
+              <a:pPr/>
+              <a:t>25</a:t>
+            </a:fld>
+            <a:endParaRPr lang="en-US" dirty="0"/>
+          </a:p>
+        </p:txBody>
+      </p:sp>
+    </p:spTree>
+    <p:extLst>
+      <p:ext uri="{BB962C8B-B14F-4D97-AF65-F5344CB8AC3E}">
+        <p14:creationId xmlns:p14="http://schemas.microsoft.com/office/powerpoint/2010/main" val="2571221945"/>
+      </p:ext>
+    </p:extLst>
+  </p:cSld>
+  <p:clrMapOvr>
+    <a:masterClrMapping/>
+  </p:clrMapOvr>
+</p:sld>
+</file>
+
+<file path=ppt/slides/slide26.xml><?xml version="1.0" encoding="utf-8"?>
+<p:sld xmlns:a="http://schemas.openxmlformats.org/drawingml/2006/main" xmlns:r="http://schemas.openxmlformats.org/officeDocument/2006/relationships" xmlns:p="http://schemas.openxmlformats.org/presentationml/2006/main">
+  <p:cSld>
+    <p:spTree>
+      <p:nvGrpSpPr>
+        <p:cNvPr id="1" name=""/>
+        <p:cNvGrpSpPr/>
+        <p:nvPr/>
+      </p:nvGrpSpPr>
+      <p:grpSpPr>
+        <a:xfrm>
+          <a:off x="0" y="0"/>
+          <a:ext cx="0" cy="0"/>
+          <a:chOff x="0" y="0"/>
+          <a:chExt cx="0" cy="0"/>
+        </a:xfrm>
+      </p:grpSpPr>
+      <p:sp>
+        <p:nvSpPr>
+          <p:cNvPr id="2" name="Title 1">
+            <a:extLst>
+              <a:ext uri="{FF2B5EF4-FFF2-40B4-BE49-F238E27FC236}">
+                <a16:creationId xmlns:a16="http://schemas.microsoft.com/office/drawing/2014/main" id="{7BF43523-9C5D-E408-3089-D4D418219E21}"/>
+              </a:ext>
+            </a:extLst>
+          </p:cNvPr>
+          <p:cNvSpPr>
+            <a:spLocks noGrp="1"/>
+          </p:cNvSpPr>
+          <p:nvPr>
+            <p:ph type="title"/>
+          </p:nvPr>
+        </p:nvSpPr>
+        <p:spPr/>
+        <p:txBody>
+          <a:bodyPr>
+            <a:normAutofit/>
+          </a:bodyPr>
+          <a:lstStyle/>
+          <a:p>
+            <a:r>
+              <a:rPr lang="en-US" dirty="0" err="1"/>
+              <a:t>SuiteCRM</a:t>
+            </a:r>
+            <a:r>
+              <a:rPr lang="en-US" dirty="0"/>
+              <a:t> Saudization</a:t>
+            </a:r>
+          </a:p>
+        </p:txBody>
+      </p:sp>
+      <p:sp>
+        <p:nvSpPr>
+          <p:cNvPr id="3" name="Content Placeholder 2">
+            <a:extLst>
+              <a:ext uri="{FF2B5EF4-FFF2-40B4-BE49-F238E27FC236}">
+                <a16:creationId xmlns:a16="http://schemas.microsoft.com/office/drawing/2014/main" id="{E3BF297D-5F5B-A526-1CAC-3975E31F22D1}"/>
+              </a:ext>
+            </a:extLst>
+          </p:cNvPr>
+          <p:cNvSpPr>
+            <a:spLocks noGrp="1"/>
+          </p:cNvSpPr>
+          <p:nvPr>
+            <p:ph idx="1"/>
+          </p:nvPr>
+        </p:nvSpPr>
+        <p:spPr/>
+        <p:txBody>
+          <a:bodyPr/>
+          <a:lstStyle/>
+          <a:p>
+            <a:r>
+              <a:rPr lang="en-US" dirty="0"/>
+              <a:t>High Level Features:</a:t>
+            </a:r>
+          </a:p>
+          <a:p>
+            <a:pPr lvl="1"/>
+            <a:r>
+              <a:rPr lang="en-US" dirty="0"/>
+              <a:t>Compliance with Saudi Laws and Regulations:</a:t>
+            </a:r>
+          </a:p>
+          <a:p>
+            <a:pPr lvl="2"/>
+            <a:r>
+              <a:rPr lang="en-US" dirty="0"/>
+              <a:t>The system should comply with Saudi laws and regulations related to data privacy and security.</a:t>
+            </a:r>
+          </a:p>
+          <a:p>
+            <a:pPr lvl="2"/>
+            <a:r>
+              <a:rPr lang="en-US" dirty="0"/>
+              <a:t>The system should be able to handle required government reporting and filing.</a:t>
+            </a:r>
+          </a:p>
+        </p:txBody>
+      </p:sp>
+      <p:sp>
+        <p:nvSpPr>
+          <p:cNvPr id="4" name="Slide Number Placeholder 3">
+            <a:extLst>
+              <a:ext uri="{FF2B5EF4-FFF2-40B4-BE49-F238E27FC236}">
+                <a16:creationId xmlns:a16="http://schemas.microsoft.com/office/drawing/2014/main" id="{1AB4E19E-26A4-B023-9B0D-E5527DCCB342}"/>
+              </a:ext>
+            </a:extLst>
+          </p:cNvPr>
+          <p:cNvSpPr>
+            <a:spLocks noGrp="1"/>
+          </p:cNvSpPr>
+          <p:nvPr>
+            <p:ph type="sldNum" sz="quarter" idx="12"/>
+          </p:nvPr>
+        </p:nvSpPr>
+        <p:spPr/>
+        <p:txBody>
+          <a:bodyPr/>
+          <a:lstStyle/>
+          <a:p>
+            <a:fld id="{B8DACC02-A2BD-4578-8E03-6D891060A695}" type="slidenum">
+              <a:rPr lang="en-US" smtClean="0"/>
+              <a:pPr/>
+              <a:t>26</a:t>
+            </a:fld>
+            <a:endParaRPr lang="en-US" dirty="0"/>
+          </a:p>
+        </p:txBody>
+      </p:sp>
+    </p:spTree>
+    <p:extLst>
+      <p:ext uri="{BB962C8B-B14F-4D97-AF65-F5344CB8AC3E}">
+        <p14:creationId xmlns:p14="http://schemas.microsoft.com/office/powerpoint/2010/main" val="8071344"/>
+      </p:ext>
+    </p:extLst>
+  </p:cSld>
+  <p:clrMapOvr>
+    <a:masterClrMapping/>
+  </p:clrMapOvr>
+</p:sld>
+</file>
+
+<file path=ppt/slides/slide27.xml><?xml version="1.0" encoding="utf-8"?>
+<p:sld xmlns:a="http://schemas.openxmlformats.org/drawingml/2006/main" xmlns:r="http://schemas.openxmlformats.org/officeDocument/2006/relationships" xmlns:p="http://schemas.openxmlformats.org/presentationml/2006/main">
+  <p:cSld>
+    <p:spTree>
+      <p:nvGrpSpPr>
+        <p:cNvPr id="1" name=""/>
+        <p:cNvGrpSpPr/>
+        <p:nvPr/>
+      </p:nvGrpSpPr>
+      <p:grpSpPr>
+        <a:xfrm>
+          <a:off x="0" y="0"/>
+          <a:ext cx="0" cy="0"/>
+          <a:chOff x="0" y="0"/>
+          <a:chExt cx="0" cy="0"/>
+        </a:xfrm>
+      </p:grpSpPr>
+      <p:sp>
+        <p:nvSpPr>
+          <p:cNvPr id="2" name="Title 1">
+            <a:extLst>
+              <a:ext uri="{FF2B5EF4-FFF2-40B4-BE49-F238E27FC236}">
+                <a16:creationId xmlns:a16="http://schemas.microsoft.com/office/drawing/2014/main" id="{7BF43523-9C5D-E408-3089-D4D418219E21}"/>
+              </a:ext>
+            </a:extLst>
+          </p:cNvPr>
+          <p:cNvSpPr>
+            <a:spLocks noGrp="1"/>
+          </p:cNvSpPr>
+          <p:nvPr>
+            <p:ph type="title"/>
+          </p:nvPr>
+        </p:nvSpPr>
+        <p:spPr/>
+        <p:txBody>
+          <a:bodyPr>
+            <a:normAutofit/>
+          </a:bodyPr>
+          <a:lstStyle/>
+          <a:p>
+            <a:r>
+              <a:rPr lang="en-US" dirty="0" err="1"/>
+              <a:t>SuiteCRM</a:t>
+            </a:r>
+            <a:r>
+              <a:rPr lang="en-US" dirty="0"/>
+              <a:t> Saudization</a:t>
+            </a:r>
+          </a:p>
+        </p:txBody>
+      </p:sp>
+      <p:sp>
+        <p:nvSpPr>
+          <p:cNvPr id="3" name="Content Placeholder 2">
+            <a:extLst>
+              <a:ext uri="{FF2B5EF4-FFF2-40B4-BE49-F238E27FC236}">
+                <a16:creationId xmlns:a16="http://schemas.microsoft.com/office/drawing/2014/main" id="{E3BF297D-5F5B-A526-1CAC-3975E31F22D1}"/>
+              </a:ext>
+            </a:extLst>
+          </p:cNvPr>
+          <p:cNvSpPr>
+            <a:spLocks noGrp="1"/>
+          </p:cNvSpPr>
+          <p:nvPr>
+            <p:ph idx="1"/>
+          </p:nvPr>
+        </p:nvSpPr>
+        <p:spPr/>
+        <p:txBody>
+          <a:bodyPr/>
+          <a:lstStyle/>
+          <a:p>
+            <a:r>
+              <a:rPr lang="en-US" dirty="0"/>
+              <a:t>High Level Features:</a:t>
+            </a:r>
+          </a:p>
+          <a:p>
+            <a:pPr lvl="1"/>
+            <a:r>
+              <a:rPr lang="en-US" dirty="0"/>
+              <a:t>Reporting and Analytics:</a:t>
+            </a:r>
+          </a:p>
+          <a:p>
+            <a:pPr lvl="2"/>
+            <a:r>
+              <a:rPr lang="en-US" dirty="0"/>
+              <a:t>The system should provide reporting and analytics capabilities that are relevant to the Saudi market.</a:t>
+            </a:r>
+          </a:p>
+          <a:p>
+            <a:pPr lvl="2"/>
+            <a:r>
+              <a:rPr lang="en-US" dirty="0"/>
+              <a:t>The system should be able to handle data visualization and dashboarding for Arabic language users.</a:t>
+            </a:r>
+          </a:p>
+        </p:txBody>
+      </p:sp>
+      <p:sp>
+        <p:nvSpPr>
+          <p:cNvPr id="4" name="Slide Number Placeholder 3">
+            <a:extLst>
+              <a:ext uri="{FF2B5EF4-FFF2-40B4-BE49-F238E27FC236}">
+                <a16:creationId xmlns:a16="http://schemas.microsoft.com/office/drawing/2014/main" id="{1AB4E19E-26A4-B023-9B0D-E5527DCCB342}"/>
+              </a:ext>
+            </a:extLst>
+          </p:cNvPr>
+          <p:cNvSpPr>
+            <a:spLocks noGrp="1"/>
+          </p:cNvSpPr>
+          <p:nvPr>
+            <p:ph type="sldNum" sz="quarter" idx="12"/>
+          </p:nvPr>
+        </p:nvSpPr>
+        <p:spPr/>
+        <p:txBody>
+          <a:bodyPr/>
+          <a:lstStyle/>
+          <a:p>
+            <a:fld id="{B8DACC02-A2BD-4578-8E03-6D891060A695}" type="slidenum">
+              <a:rPr lang="en-US" smtClean="0"/>
+              <a:pPr/>
+              <a:t>27</a:t>
+            </a:fld>
+            <a:endParaRPr lang="en-US" dirty="0"/>
+          </a:p>
+        </p:txBody>
+      </p:sp>
+    </p:spTree>
+    <p:extLst>
+      <p:ext uri="{BB962C8B-B14F-4D97-AF65-F5344CB8AC3E}">
+        <p14:creationId xmlns:p14="http://schemas.microsoft.com/office/powerpoint/2010/main" val="190584739"/>
+      </p:ext>
+    </p:extLst>
+  </p:cSld>
+  <p:clrMapOvr>
+    <a:masterClrMapping/>
+  </p:clrMapOvr>
+</p:sld>
+</file>
+
+<file path=ppt/slides/slide28.xml><?xml version="1.0" encoding="utf-8"?>
+<p:sld xmlns:a="http://schemas.openxmlformats.org/drawingml/2006/main" xmlns:r="http://schemas.openxmlformats.org/officeDocument/2006/relationships" xmlns:p="http://schemas.openxmlformats.org/presentationml/2006/main">
+  <p:cSld>
+    <p:spTree>
+      <p:nvGrpSpPr>
+        <p:cNvPr id="1" name=""/>
+        <p:cNvGrpSpPr/>
+        <p:nvPr/>
+      </p:nvGrpSpPr>
+      <p:grpSpPr>
+        <a:xfrm>
+          <a:off x="0" y="0"/>
+          <a:ext cx="0" cy="0"/>
+          <a:chOff x="0" y="0"/>
+          <a:chExt cx="0" cy="0"/>
+        </a:xfrm>
+      </p:grpSpPr>
+      <p:sp>
+        <p:nvSpPr>
+          <p:cNvPr id="2" name="Title 1">
+            <a:extLst>
+              <a:ext uri="{FF2B5EF4-FFF2-40B4-BE49-F238E27FC236}">
+                <a16:creationId xmlns:a16="http://schemas.microsoft.com/office/drawing/2014/main" id="{7BF43523-9C5D-E408-3089-D4D418219E21}"/>
+              </a:ext>
+            </a:extLst>
+          </p:cNvPr>
+          <p:cNvSpPr>
+            <a:spLocks noGrp="1"/>
+          </p:cNvSpPr>
+          <p:nvPr>
+            <p:ph type="title"/>
+          </p:nvPr>
+        </p:nvSpPr>
+        <p:spPr/>
+        <p:txBody>
+          <a:bodyPr>
+            <a:normAutofit/>
+          </a:bodyPr>
+          <a:lstStyle/>
+          <a:p>
+            <a:r>
+              <a:rPr lang="en-US" dirty="0" err="1"/>
+              <a:t>SuiteCRM</a:t>
+            </a:r>
+            <a:r>
+              <a:rPr lang="en-US" dirty="0"/>
+              <a:t> Saudization</a:t>
+            </a:r>
+          </a:p>
+        </p:txBody>
+      </p:sp>
+      <p:sp>
+        <p:nvSpPr>
+          <p:cNvPr id="3" name="Content Placeholder 2">
+            <a:extLst>
+              <a:ext uri="{FF2B5EF4-FFF2-40B4-BE49-F238E27FC236}">
+                <a16:creationId xmlns:a16="http://schemas.microsoft.com/office/drawing/2014/main" id="{E3BF297D-5F5B-A526-1CAC-3975E31F22D1}"/>
+              </a:ext>
+            </a:extLst>
+          </p:cNvPr>
+          <p:cNvSpPr>
+            <a:spLocks noGrp="1"/>
+          </p:cNvSpPr>
+          <p:nvPr>
+            <p:ph idx="1"/>
+          </p:nvPr>
+        </p:nvSpPr>
+        <p:spPr/>
+        <p:txBody>
+          <a:bodyPr>
+            <a:normAutofit/>
+          </a:bodyPr>
+          <a:lstStyle/>
+          <a:p>
+            <a:r>
+              <a:rPr lang="en-US" dirty="0"/>
+              <a:t>Expected Outcomes:</a:t>
+            </a:r>
+          </a:p>
+          <a:p>
+            <a:pPr lvl="1"/>
+            <a:r>
+              <a:rPr lang="en-US" dirty="0"/>
+              <a:t>Provide a better customer experience for Saudi users, taking into account local language, culture, and business practices</a:t>
+            </a:r>
+          </a:p>
+          <a:p>
+            <a:pPr lvl="1"/>
+            <a:r>
+              <a:rPr lang="en-US" dirty="0"/>
+              <a:t>Improve efficiency for businesses operating in Saudi Arabia</a:t>
+            </a:r>
+          </a:p>
+          <a:p>
+            <a:pPr lvl="1"/>
+            <a:r>
+              <a:rPr lang="en-US" dirty="0"/>
+              <a:t>Ensure compliance with Saudi laws and regulations</a:t>
+            </a:r>
+          </a:p>
+          <a:p>
+            <a:pPr lvl="1"/>
+            <a:r>
+              <a:rPr lang="en-US" dirty="0"/>
+              <a:t>Enhance collaboration between teams and stakeholders</a:t>
+            </a:r>
+          </a:p>
+          <a:p>
+            <a:pPr lvl="1"/>
+            <a:r>
+              <a:rPr lang="en-US" dirty="0"/>
+              <a:t>Provide better analytics and reporting capabilities</a:t>
+            </a:r>
+          </a:p>
+          <a:p>
+            <a:pPr lvl="1"/>
+            <a:r>
+              <a:rPr lang="en-US" dirty="0"/>
+              <a:t>Reduce costs associated with implementing and maintaining a separate CRM system that is not tailored to the local market</a:t>
+            </a:r>
+          </a:p>
+        </p:txBody>
+      </p:sp>
+      <p:sp>
+        <p:nvSpPr>
+          <p:cNvPr id="4" name="Slide Number Placeholder 3">
+            <a:extLst>
+              <a:ext uri="{FF2B5EF4-FFF2-40B4-BE49-F238E27FC236}">
+                <a16:creationId xmlns:a16="http://schemas.microsoft.com/office/drawing/2014/main" id="{1AB4E19E-26A4-B023-9B0D-E5527DCCB342}"/>
+              </a:ext>
+            </a:extLst>
+          </p:cNvPr>
+          <p:cNvSpPr>
+            <a:spLocks noGrp="1"/>
+          </p:cNvSpPr>
+          <p:nvPr>
+            <p:ph type="sldNum" sz="quarter" idx="12"/>
+          </p:nvPr>
+        </p:nvSpPr>
+        <p:spPr/>
+        <p:txBody>
+          <a:bodyPr/>
+          <a:lstStyle/>
+          <a:p>
+            <a:fld id="{B8DACC02-A2BD-4578-8E03-6D891060A695}" type="slidenum">
+              <a:rPr lang="en-US" smtClean="0"/>
+              <a:pPr/>
+              <a:t>28</a:t>
+            </a:fld>
+            <a:endParaRPr lang="en-US" dirty="0"/>
+          </a:p>
+        </p:txBody>
+      </p:sp>
+    </p:spTree>
+    <p:extLst>
+      <p:ext uri="{BB962C8B-B14F-4D97-AF65-F5344CB8AC3E}">
+        <p14:creationId xmlns:p14="http://schemas.microsoft.com/office/powerpoint/2010/main" val="2047663647"/>
+      </p:ext>
+    </p:extLst>
+  </p:cSld>
+  <p:clrMapOvr>
+    <a:masterClrMapping/>
+  </p:clrMapOvr>
+</p:sld>
+</file>
+
+<file path=ppt/slides/slide29.xml><?xml version="1.0" encoding="utf-8"?>
+<p:sld xmlns:a="http://schemas.openxmlformats.org/drawingml/2006/main" xmlns:r="http://schemas.openxmlformats.org/officeDocument/2006/relationships" xmlns:p="http://schemas.openxmlformats.org/presentationml/2006/main">
+  <p:cSld>
+    <p:spTree>
+      <p:nvGrpSpPr>
+        <p:cNvPr id="1" name=""/>
+        <p:cNvGrpSpPr/>
+        <p:nvPr/>
+      </p:nvGrpSpPr>
+      <p:grpSpPr>
+        <a:xfrm>
+          <a:off x="0" y="0"/>
+          <a:ext cx="0" cy="0"/>
+          <a:chOff x="0" y="0"/>
+          <a:chExt cx="0" cy="0"/>
+        </a:xfrm>
+      </p:grpSpPr>
+      <p:sp>
+        <p:nvSpPr>
+          <p:cNvPr id="2" name="Title 1">
+            <a:extLst>
+              <a:ext uri="{FF2B5EF4-FFF2-40B4-BE49-F238E27FC236}">
+                <a16:creationId xmlns:a16="http://schemas.microsoft.com/office/drawing/2014/main" id="{24227B31-C026-85B6-1B2F-B02EC3421F41}"/>
+              </a:ext>
+            </a:extLst>
+          </p:cNvPr>
+          <p:cNvSpPr>
+            <a:spLocks noGrp="1"/>
+          </p:cNvSpPr>
+          <p:nvPr>
+            <p:ph type="title"/>
+          </p:nvPr>
+        </p:nvSpPr>
+        <p:spPr/>
+        <p:txBody>
+          <a:bodyPr/>
+          <a:lstStyle/>
+          <a:p>
+            <a:r>
+              <a:rPr lang="en-US" dirty="0"/>
+              <a:t>Collaboration and management tool</a:t>
+            </a:r>
+          </a:p>
+        </p:txBody>
+      </p:sp>
+      <p:sp>
+        <p:nvSpPr>
+          <p:cNvPr id="3" name="Content Placeholder 2">
+            <a:extLst>
+              <a:ext uri="{FF2B5EF4-FFF2-40B4-BE49-F238E27FC236}">
+                <a16:creationId xmlns:a16="http://schemas.microsoft.com/office/drawing/2014/main" id="{7D8BA5FB-09C1-4AD2-3FE0-A52EF85FDF06}"/>
+              </a:ext>
+            </a:extLst>
+          </p:cNvPr>
+          <p:cNvSpPr>
+            <a:spLocks noGrp="1"/>
+          </p:cNvSpPr>
+          <p:nvPr>
+            <p:ph idx="1"/>
+          </p:nvPr>
+        </p:nvSpPr>
+        <p:spPr/>
+        <p:txBody>
+          <a:bodyPr/>
+          <a:lstStyle/>
+          <a:p>
+            <a:r>
+              <a:rPr lang="en-US" dirty="0"/>
+              <a:t>The collaboration and management tool is designed to help teams in university to collaborate on projects and manage their project progress and tasks more efficiently. </a:t>
+            </a:r>
+          </a:p>
+          <a:p>
+            <a:r>
+              <a:rPr lang="en-US" dirty="0"/>
+              <a:t>The tool should provide an easy-to-use interface for team members to communicate, share files, track progress, and manage tasks.</a:t>
+            </a:r>
+          </a:p>
+        </p:txBody>
+      </p:sp>
+      <p:sp>
+        <p:nvSpPr>
+          <p:cNvPr id="4" name="Slide Number Placeholder 3">
+            <a:extLst>
+              <a:ext uri="{FF2B5EF4-FFF2-40B4-BE49-F238E27FC236}">
+                <a16:creationId xmlns:a16="http://schemas.microsoft.com/office/drawing/2014/main" id="{578B9198-2934-513E-3723-F2B54243D91B}"/>
+              </a:ext>
+            </a:extLst>
+          </p:cNvPr>
+          <p:cNvSpPr>
+            <a:spLocks noGrp="1"/>
+          </p:cNvSpPr>
+          <p:nvPr>
+            <p:ph type="sldNum" sz="quarter" idx="12"/>
+          </p:nvPr>
+        </p:nvSpPr>
+        <p:spPr/>
+        <p:txBody>
+          <a:bodyPr/>
+          <a:lstStyle/>
+          <a:p>
+            <a:fld id="{B8DACC02-A2BD-4578-8E03-6D891060A695}" type="slidenum">
+              <a:rPr lang="en-US" smtClean="0"/>
+              <a:pPr/>
+              <a:t>29</a:t>
+            </a:fld>
+            <a:endParaRPr lang="en-US" dirty="0"/>
+          </a:p>
+        </p:txBody>
+      </p:sp>
+    </p:spTree>
+    <p:extLst>
+      <p:ext uri="{BB962C8B-B14F-4D97-AF65-F5344CB8AC3E}">
+        <p14:creationId xmlns:p14="http://schemas.microsoft.com/office/powerpoint/2010/main" val="2431477143"/>
       </p:ext>
     </p:extLst>
   </p:cSld>
@@ -6952,10 +7627,9 @@
           <a:lstStyle/>
           <a:p>
             <a:r>
-              <a:rPr lang="en-US" dirty="0" smtClean="0"/>
+              <a:rPr lang="en-US" dirty="0"/>
               <a:t>Project Characteristics</a:t>
             </a:r>
-            <a:endParaRPr lang="en-US" dirty="0"/>
           </a:p>
         </p:txBody>
       </p:sp>
@@ -6978,81 +7652,26 @@
           <a:p>
             <a:r>
               <a:rPr lang="en-US" dirty="0"/>
-              <a:t>A Software Engineering senior project is normally a small-scale system </a:t>
-            </a:r>
-            <a:r>
-              <a:rPr lang="en-US" dirty="0" smtClean="0"/>
-              <a:t>involving </a:t>
-            </a:r>
-            <a:r>
-              <a:rPr lang="en-US" dirty="0"/>
-              <a:t>both software design and </a:t>
-            </a:r>
-            <a:r>
-              <a:rPr lang="en-US" dirty="0" smtClean="0"/>
-              <a:t>implementation.</a:t>
-            </a:r>
-          </a:p>
-          <a:p>
-            <a:r>
-              <a:rPr lang="en-US" dirty="0" smtClean="0"/>
-              <a:t>The </a:t>
-            </a:r>
-            <a:r>
-              <a:rPr lang="en-US" dirty="0"/>
-              <a:t>project </a:t>
-            </a:r>
-            <a:r>
-              <a:rPr lang="en-US" dirty="0" smtClean="0"/>
-              <a:t>aim is the </a:t>
-            </a:r>
-            <a:r>
-              <a:rPr lang="en-US" dirty="0"/>
-              <a:t>development of </a:t>
-            </a:r>
-            <a:r>
-              <a:rPr lang="en-US" dirty="0" smtClean="0"/>
-              <a:t>a system</a:t>
-            </a:r>
-            <a:r>
-              <a:rPr lang="en-US" dirty="0"/>
-              <a:t>, a website, and/or a mobile application. </a:t>
-            </a:r>
-            <a:endParaRPr lang="en-US" dirty="0" smtClean="0"/>
-          </a:p>
-          <a:p>
-            <a:r>
-              <a:rPr lang="en-US" dirty="0" smtClean="0"/>
-              <a:t>The project needs to use concepts </a:t>
-            </a:r>
-            <a:r>
-              <a:rPr lang="en-US" dirty="0"/>
-              <a:t>learned in </a:t>
-            </a:r>
-            <a:r>
-              <a:rPr lang="en-US" dirty="0" smtClean="0"/>
-              <a:t>curriculum</a:t>
-            </a:r>
-            <a:r>
-              <a:rPr lang="en-US" dirty="0"/>
-              <a:t>. Examples of these concepts include object-oriented programming, data abstraction, modularity, portability, web design, e-commerce, networking, user interface, software engineering issues, logic programming, heuristics, algorithm efficiency. </a:t>
-            </a:r>
-            <a:endParaRPr lang="en-US" dirty="0" smtClean="0"/>
-          </a:p>
-          <a:p>
-            <a:r>
-              <a:rPr lang="en-US" dirty="0" smtClean="0"/>
-              <a:t>While </a:t>
-            </a:r>
-            <a:r>
-              <a:rPr lang="en-US" dirty="0"/>
-              <a:t>some pre-built modules may be used, a significant part of the system must be designed</a:t>
-            </a:r>
-            <a:r>
-              <a:rPr lang="en-US" dirty="0" smtClean="0"/>
-              <a:t>.</a:t>
-            </a:r>
-            <a:endParaRPr lang="en-US" dirty="0"/>
+              <a:t>A Software Engineering senior project is normally a small-scale system involving both software design and implementation.</a:t>
+            </a:r>
+          </a:p>
+          <a:p>
+            <a:r>
+              <a:rPr lang="en-US" dirty="0"/>
+              <a:t>The project aim is the development of a system, a website, and/or a mobile application. </a:t>
+            </a:r>
+          </a:p>
+          <a:p>
+            <a:r>
+              <a:rPr lang="en-US" dirty="0"/>
+              <a:t>The project needs to use concepts learned in curriculum. Examples of these concepts include object-oriented programming, data abstraction, modularity, portability, web design, e-commerce, networking, user interface, software engineering issues, logic programming, heuristics, algorithm efficiency. </a:t>
+            </a:r>
+          </a:p>
+          <a:p>
+            <a:r>
+              <a:rPr lang="en-US" dirty="0"/>
+              <a:t>While some pre-built modules may be used, a significant part of the system must be designed.</a:t>
+            </a:r>
           </a:p>
         </p:txBody>
       </p:sp>
@@ -7084,6 +7703,354 @@
     <p:extLst>
       <p:ext uri="{BB962C8B-B14F-4D97-AF65-F5344CB8AC3E}">
         <p14:creationId xmlns:p14="http://schemas.microsoft.com/office/powerpoint/2010/main" val="3091000920"/>
+      </p:ext>
+    </p:extLst>
+  </p:cSld>
+  <p:clrMapOvr>
+    <a:masterClrMapping/>
+  </p:clrMapOvr>
+</p:sld>
+</file>
+
+<file path=ppt/slides/slide30.xml><?xml version="1.0" encoding="utf-8"?>
+<p:sld xmlns:a="http://schemas.openxmlformats.org/drawingml/2006/main" xmlns:r="http://schemas.openxmlformats.org/officeDocument/2006/relationships" xmlns:p="http://schemas.openxmlformats.org/presentationml/2006/main">
+  <p:cSld>
+    <p:spTree>
+      <p:nvGrpSpPr>
+        <p:cNvPr id="1" name=""/>
+        <p:cNvGrpSpPr/>
+        <p:nvPr/>
+      </p:nvGrpSpPr>
+      <p:grpSpPr>
+        <a:xfrm>
+          <a:off x="0" y="0"/>
+          <a:ext cx="0" cy="0"/>
+          <a:chOff x="0" y="0"/>
+          <a:chExt cx="0" cy="0"/>
+        </a:xfrm>
+      </p:grpSpPr>
+      <p:sp>
+        <p:nvSpPr>
+          <p:cNvPr id="2" name="Title 1">
+            <a:extLst>
+              <a:ext uri="{FF2B5EF4-FFF2-40B4-BE49-F238E27FC236}">
+                <a16:creationId xmlns:a16="http://schemas.microsoft.com/office/drawing/2014/main" id="{24227B31-C026-85B6-1B2F-B02EC3421F41}"/>
+              </a:ext>
+            </a:extLst>
+          </p:cNvPr>
+          <p:cNvSpPr>
+            <a:spLocks noGrp="1"/>
+          </p:cNvSpPr>
+          <p:nvPr>
+            <p:ph type="title"/>
+          </p:nvPr>
+        </p:nvSpPr>
+        <p:spPr/>
+        <p:txBody>
+          <a:bodyPr/>
+          <a:lstStyle/>
+          <a:p>
+            <a:r>
+              <a:rPr lang="en-US" dirty="0"/>
+              <a:t>Collaboration and management tool</a:t>
+            </a:r>
+          </a:p>
+        </p:txBody>
+      </p:sp>
+      <p:sp>
+        <p:nvSpPr>
+          <p:cNvPr id="3" name="Content Placeholder 2">
+            <a:extLst>
+              <a:ext uri="{FF2B5EF4-FFF2-40B4-BE49-F238E27FC236}">
+                <a16:creationId xmlns:a16="http://schemas.microsoft.com/office/drawing/2014/main" id="{7D8BA5FB-09C1-4AD2-3FE0-A52EF85FDF06}"/>
+              </a:ext>
+            </a:extLst>
+          </p:cNvPr>
+          <p:cNvSpPr>
+            <a:spLocks noGrp="1"/>
+          </p:cNvSpPr>
+          <p:nvPr>
+            <p:ph idx="1"/>
+          </p:nvPr>
+        </p:nvSpPr>
+        <p:spPr/>
+        <p:txBody>
+          <a:bodyPr>
+            <a:normAutofit/>
+          </a:bodyPr>
+          <a:lstStyle/>
+          <a:p>
+            <a:r>
+              <a:rPr lang="en-US" dirty="0"/>
+              <a:t>High Level Features:</a:t>
+            </a:r>
+          </a:p>
+          <a:p>
+            <a:pPr lvl="1"/>
+            <a:r>
+              <a:rPr lang="en-US" dirty="0"/>
+              <a:t>Allow teams to create and manage projects</a:t>
+            </a:r>
+          </a:p>
+          <a:p>
+            <a:pPr lvl="1"/>
+            <a:r>
+              <a:rPr lang="en-US" dirty="0"/>
+              <a:t>Allow team members to create and manage tasks</a:t>
+            </a:r>
+          </a:p>
+          <a:p>
+            <a:pPr lvl="1"/>
+            <a:r>
+              <a:rPr lang="en-US" dirty="0"/>
+              <a:t>Provide a platform for team members to communicate with each other</a:t>
+            </a:r>
+          </a:p>
+          <a:p>
+            <a:pPr lvl="1"/>
+            <a:r>
+              <a:rPr lang="en-US" dirty="0"/>
+              <a:t>Allow team members to share files and collaborate on documents</a:t>
+            </a:r>
+          </a:p>
+          <a:p>
+            <a:pPr lvl="1"/>
+            <a:r>
+              <a:rPr lang="en-US" dirty="0"/>
+              <a:t>Provide a way to track progress on projects and tasks</a:t>
+            </a:r>
+          </a:p>
+          <a:p>
+            <a:pPr lvl="1"/>
+            <a:r>
+              <a:rPr lang="en-US" dirty="0"/>
+              <a:t>Provide a way to generate reports on project progress</a:t>
+            </a:r>
+          </a:p>
+          <a:p>
+            <a:pPr lvl="1"/>
+            <a:r>
+              <a:rPr lang="en-US" dirty="0"/>
+              <a:t>Should have user roles and permissions</a:t>
+            </a:r>
+          </a:p>
+          <a:p>
+            <a:pPr lvl="1"/>
+            <a:r>
+              <a:rPr lang="en-US" dirty="0"/>
+              <a:t>Integrate with other tools and platforms, such as calendar, project management, and file storage services.</a:t>
+            </a:r>
+          </a:p>
+        </p:txBody>
+      </p:sp>
+      <p:sp>
+        <p:nvSpPr>
+          <p:cNvPr id="4" name="Slide Number Placeholder 3">
+            <a:extLst>
+              <a:ext uri="{FF2B5EF4-FFF2-40B4-BE49-F238E27FC236}">
+                <a16:creationId xmlns:a16="http://schemas.microsoft.com/office/drawing/2014/main" id="{578B9198-2934-513E-3723-F2B54243D91B}"/>
+              </a:ext>
+            </a:extLst>
+          </p:cNvPr>
+          <p:cNvSpPr>
+            <a:spLocks noGrp="1"/>
+          </p:cNvSpPr>
+          <p:nvPr>
+            <p:ph type="sldNum" sz="quarter" idx="12"/>
+          </p:nvPr>
+        </p:nvSpPr>
+        <p:spPr/>
+        <p:txBody>
+          <a:bodyPr/>
+          <a:lstStyle/>
+          <a:p>
+            <a:fld id="{B8DACC02-A2BD-4578-8E03-6D891060A695}" type="slidenum">
+              <a:rPr lang="en-US" smtClean="0"/>
+              <a:pPr/>
+              <a:t>30</a:t>
+            </a:fld>
+            <a:endParaRPr lang="en-US" dirty="0"/>
+          </a:p>
+        </p:txBody>
+      </p:sp>
+    </p:spTree>
+    <p:extLst>
+      <p:ext uri="{BB962C8B-B14F-4D97-AF65-F5344CB8AC3E}">
+        <p14:creationId xmlns:p14="http://schemas.microsoft.com/office/powerpoint/2010/main" val="2665911114"/>
+      </p:ext>
+    </p:extLst>
+  </p:cSld>
+  <p:clrMapOvr>
+    <a:masterClrMapping/>
+  </p:clrMapOvr>
+</p:sld>
+</file>
+
+<file path=ppt/slides/slide31.xml><?xml version="1.0" encoding="utf-8"?>
+<p:sld xmlns:a="http://schemas.openxmlformats.org/drawingml/2006/main" xmlns:r="http://schemas.openxmlformats.org/officeDocument/2006/relationships" xmlns:p="http://schemas.openxmlformats.org/presentationml/2006/main">
+  <p:cSld>
+    <p:spTree>
+      <p:nvGrpSpPr>
+        <p:cNvPr id="1" name=""/>
+        <p:cNvGrpSpPr/>
+        <p:nvPr/>
+      </p:nvGrpSpPr>
+      <p:grpSpPr>
+        <a:xfrm>
+          <a:off x="0" y="0"/>
+          <a:ext cx="0" cy="0"/>
+          <a:chOff x="0" y="0"/>
+          <a:chExt cx="0" cy="0"/>
+        </a:xfrm>
+      </p:grpSpPr>
+      <p:sp>
+        <p:nvSpPr>
+          <p:cNvPr id="2" name="Title 1">
+            <a:extLst>
+              <a:ext uri="{FF2B5EF4-FFF2-40B4-BE49-F238E27FC236}">
+                <a16:creationId xmlns:a16="http://schemas.microsoft.com/office/drawing/2014/main" id="{24227B31-C026-85B6-1B2F-B02EC3421F41}"/>
+              </a:ext>
+            </a:extLst>
+          </p:cNvPr>
+          <p:cNvSpPr>
+            <a:spLocks noGrp="1"/>
+          </p:cNvSpPr>
+          <p:nvPr>
+            <p:ph type="title"/>
+          </p:nvPr>
+        </p:nvSpPr>
+        <p:spPr/>
+        <p:txBody>
+          <a:bodyPr/>
+          <a:lstStyle/>
+          <a:p>
+            <a:r>
+              <a:rPr lang="en-US" dirty="0"/>
+              <a:t>Collaboration and management tool</a:t>
+            </a:r>
+          </a:p>
+        </p:txBody>
+      </p:sp>
+      <p:sp>
+        <p:nvSpPr>
+          <p:cNvPr id="3" name="Content Placeholder 2">
+            <a:extLst>
+              <a:ext uri="{FF2B5EF4-FFF2-40B4-BE49-F238E27FC236}">
+                <a16:creationId xmlns:a16="http://schemas.microsoft.com/office/drawing/2014/main" id="{7D8BA5FB-09C1-4AD2-3FE0-A52EF85FDF06}"/>
+              </a:ext>
+            </a:extLst>
+          </p:cNvPr>
+          <p:cNvSpPr>
+            <a:spLocks noGrp="1"/>
+          </p:cNvSpPr>
+          <p:nvPr>
+            <p:ph idx="1"/>
+          </p:nvPr>
+        </p:nvSpPr>
+        <p:spPr/>
+        <p:txBody>
+          <a:bodyPr>
+            <a:normAutofit/>
+          </a:bodyPr>
+          <a:lstStyle/>
+          <a:p>
+            <a:r>
+              <a:rPr lang="en-US" dirty="0"/>
+              <a:t>Expected Outcomes:</a:t>
+            </a:r>
+          </a:p>
+          <a:p>
+            <a:pPr lvl="1"/>
+            <a:r>
+              <a:rPr lang="en-US" dirty="0"/>
+              <a:t>Enable teams to collaborate more effectively, reducing misunderstandings and miscommunications</a:t>
+            </a:r>
+          </a:p>
+          <a:p>
+            <a:pPr lvl="1"/>
+            <a:r>
+              <a:rPr lang="en-US" dirty="0"/>
+              <a:t>Help teams to manage their time and resources more efficiently</a:t>
+            </a:r>
+          </a:p>
+          <a:p>
+            <a:pPr lvl="1"/>
+            <a:r>
+              <a:rPr lang="en-US" dirty="0"/>
+              <a:t>Provide a clear overview of project progress and task status</a:t>
+            </a:r>
+          </a:p>
+          <a:p>
+            <a:pPr lvl="1"/>
+            <a:r>
+              <a:rPr lang="en-US" dirty="0"/>
+              <a:t>Provide a way to track individual contributions and progress</a:t>
+            </a:r>
+          </a:p>
+          <a:p>
+            <a:pPr lvl="1"/>
+            <a:r>
+              <a:rPr lang="en-US" dirty="0"/>
+              <a:t>Provide a platform for teams to share knowledge and expertise</a:t>
+            </a:r>
+          </a:p>
+          <a:p>
+            <a:pPr lvl="1"/>
+            <a:r>
+              <a:rPr lang="en-US" dirty="0"/>
+              <a:t>Accessible from anywhere</a:t>
+            </a:r>
+          </a:p>
+          <a:p>
+            <a:pPr lvl="1"/>
+            <a:r>
+              <a:rPr lang="en-US" dirty="0"/>
+              <a:t>Reduce the need for physical meetings and reduce the costs</a:t>
+            </a:r>
+          </a:p>
+          <a:p>
+            <a:pPr lvl="1"/>
+            <a:r>
+              <a:rPr lang="en-US" dirty="0"/>
+              <a:t>Scalability</a:t>
+            </a:r>
+          </a:p>
+        </p:txBody>
+      </p:sp>
+      <p:sp>
+        <p:nvSpPr>
+          <p:cNvPr id="4" name="Slide Number Placeholder 3">
+            <a:extLst>
+              <a:ext uri="{FF2B5EF4-FFF2-40B4-BE49-F238E27FC236}">
+                <a16:creationId xmlns:a16="http://schemas.microsoft.com/office/drawing/2014/main" id="{578B9198-2934-513E-3723-F2B54243D91B}"/>
+              </a:ext>
+            </a:extLst>
+          </p:cNvPr>
+          <p:cNvSpPr>
+            <a:spLocks noGrp="1"/>
+          </p:cNvSpPr>
+          <p:nvPr>
+            <p:ph type="sldNum" sz="quarter" idx="12"/>
+          </p:nvPr>
+        </p:nvSpPr>
+        <p:spPr/>
+        <p:txBody>
+          <a:bodyPr/>
+          <a:lstStyle/>
+          <a:p>
+            <a:fld id="{B8DACC02-A2BD-4578-8E03-6D891060A695}" type="slidenum">
+              <a:rPr lang="en-US" smtClean="0"/>
+              <a:pPr/>
+              <a:t>31</a:t>
+            </a:fld>
+            <a:endParaRPr lang="en-US" dirty="0"/>
+          </a:p>
+        </p:txBody>
+      </p:sp>
+    </p:spTree>
+    <p:extLst>
+      <p:ext uri="{BB962C8B-B14F-4D97-AF65-F5344CB8AC3E}">
+        <p14:creationId xmlns:p14="http://schemas.microsoft.com/office/powerpoint/2010/main" val="4048656154"/>
       </p:ext>
     </p:extLst>
   </p:cSld>
@@ -7126,10 +8093,9 @@
           <a:lstStyle/>
           <a:p>
             <a:r>
-              <a:rPr lang="en-US" dirty="0" smtClean="0"/>
+              <a:rPr lang="en-US" dirty="0"/>
               <a:t>Project Characteristics</a:t>
             </a:r>
-            <a:endParaRPr lang="en-US" dirty="0"/>
           </a:p>
         </p:txBody>
       </p:sp>
@@ -7151,53 +8117,26 @@
           <a:lstStyle/>
           <a:p>
             <a:r>
-              <a:rPr lang="en-US" dirty="0" smtClean="0"/>
-              <a:t>Students </a:t>
-            </a:r>
-            <a:r>
-              <a:rPr lang="en-US" dirty="0"/>
-              <a:t>are normally expected to carry a project from problem statement to implementation of solutions. </a:t>
-            </a:r>
-            <a:endParaRPr lang="en-US" dirty="0" smtClean="0"/>
-          </a:p>
-          <a:p>
-            <a:r>
-              <a:rPr lang="en-US" dirty="0" smtClean="0"/>
-              <a:t>The </a:t>
-            </a:r>
-            <a:r>
-              <a:rPr lang="en-US" dirty="0"/>
-              <a:t>project concept itself does not have to be unique or original. Of course, original ideas and solutions will attract higher evaluation. </a:t>
-            </a:r>
-            <a:endParaRPr lang="en-US" dirty="0" smtClean="0"/>
-          </a:p>
-          <a:p>
-            <a:r>
-              <a:rPr lang="en-US" dirty="0" smtClean="0"/>
-              <a:t>However</a:t>
-            </a:r>
-            <a:r>
-              <a:rPr lang="en-US" dirty="0"/>
-              <a:t>, the system developed must have </a:t>
-            </a:r>
-            <a:r>
-              <a:rPr lang="en-US" dirty="0" smtClean="0"/>
-              <a:t>some identifiable </a:t>
-            </a:r>
-            <a:r>
-              <a:rPr lang="en-US" dirty="0"/>
-              <a:t>aspect that is innovative. It does not mean that the project must be something that has never been done before, but it does mean that some aspects of the project must be innovative as compared to standard uses and functions as taught in the program. </a:t>
-            </a:r>
-            <a:endParaRPr lang="en-US" dirty="0" smtClean="0"/>
-          </a:p>
-          <a:p>
-            <a:r>
-              <a:rPr lang="en-US" dirty="0" smtClean="0"/>
-              <a:t>The </a:t>
-            </a:r>
-            <a:r>
-              <a:rPr lang="en-US" dirty="0"/>
-              <a:t>project topic must allow the achievement of the course goal and objectives</a:t>
+              <a:rPr lang="en-US" dirty="0"/>
+              <a:t>Students are normally expected to carry a project from problem statement to implementation of solutions. </a:t>
+            </a:r>
+          </a:p>
+          <a:p>
+            <a:r>
+              <a:rPr lang="en-US" dirty="0"/>
+              <a:t>The project concept itself does not have to be unique or original. Of course, original ideas and solutions will attract higher evaluation. </a:t>
+            </a:r>
+          </a:p>
+          <a:p>
+            <a:r>
+              <a:rPr lang="en-US" dirty="0"/>
+              <a:t>However, the system developed must have some identifiable aspect that is innovative. It does not mean that the project must be something that has never been done before, but it does mean that some aspects of the project must be innovative as compared to standard uses and functions as taught in the program. </a:t>
+            </a:r>
+          </a:p>
+          <a:p>
+            <a:r>
+              <a:rPr lang="en-US" dirty="0"/>
+              <a:t>The project topic must allow the achievement of the course goal and objectives</a:t>
             </a:r>
           </a:p>
         </p:txBody>
@@ -7272,10 +8211,9 @@
           <a:lstStyle/>
           <a:p>
             <a:r>
-              <a:rPr lang="en-US" dirty="0" smtClean="0"/>
+              <a:rPr lang="en-US" dirty="0"/>
               <a:t>Project Characteristics</a:t>
             </a:r>
-            <a:endParaRPr lang="en-US" dirty="0"/>
           </a:p>
         </p:txBody>
       </p:sp>
@@ -7297,23 +8235,14 @@
           <a:lstStyle/>
           <a:p>
             <a:r>
-              <a:rPr lang="en-US" dirty="0" smtClean="0"/>
-              <a:t>The </a:t>
-            </a:r>
-            <a:r>
-              <a:rPr lang="en-US" dirty="0"/>
-              <a:t>Senior Project must address a complex task that involves all the phases and components of completing real-life projects in the prospective working place where the students are likely to land after graduation. </a:t>
-            </a:r>
-            <a:endParaRPr lang="en-US" dirty="0" smtClean="0"/>
-          </a:p>
-          <a:p>
-            <a:r>
-              <a:rPr lang="en-US" dirty="0" smtClean="0"/>
-              <a:t>The </a:t>
-            </a:r>
-            <a:r>
-              <a:rPr lang="en-US" dirty="0"/>
-              <a:t>project should involve the systematic investigation of a topic or design task that is significant and timely and that demonstrates the student's ability to work individually with self-motivation or as part of a team using newly acquired knowledge or building on previously learned experience in the field to solve the relevant engineering problems.</a:t>
+              <a:rPr lang="en-US" dirty="0"/>
+              <a:t>The Senior Project must address a complex task that involves all the phases and components of completing real-life projects in the prospective working place where the students are likely to land after graduation. </a:t>
+            </a:r>
+          </a:p>
+          <a:p>
+            <a:r>
+              <a:rPr lang="en-US" dirty="0"/>
+              <a:t>The project should involve the systematic investigation of a topic or design task that is significant and timely and that demonstrates the student's ability to work individually with self-motivation or as part of a team using newly acquired knowledge or building on previously learned experience in the field to solve the relevant engineering problems.</a:t>
             </a:r>
           </a:p>
         </p:txBody>
@@ -7417,24 +8346,8 @@
               </a:lnSpc>
             </a:pPr>
             <a:r>
-              <a:rPr lang="en-US" dirty="0" smtClean="0"/>
-              <a:t>This </a:t>
-            </a:r>
-            <a:r>
-              <a:rPr lang="en-US" dirty="0"/>
-              <a:t>process starts by forming the project </a:t>
-            </a:r>
-            <a:r>
-              <a:rPr lang="en-US" dirty="0" smtClean="0"/>
-              <a:t>group</a:t>
-            </a:r>
-            <a:r>
-              <a:rPr lang="en-US" dirty="0"/>
-              <a:t> </a:t>
-            </a:r>
-            <a:r>
-              <a:rPr lang="en-US" dirty="0" smtClean="0"/>
-              <a:t>which will be assigned randomly.</a:t>
+              <a:rPr lang="en-US" dirty="0"/>
+              <a:t>This process starts by forming the project group which will be assigned randomly.</a:t>
             </a:r>
           </a:p>
           <a:p>
@@ -7444,22 +8357,9 @@
               </a:lnSpc>
             </a:pPr>
             <a:r>
-              <a:rPr lang="en-US" dirty="0" smtClean="0"/>
-              <a:t>The </a:t>
-            </a:r>
-            <a:r>
-              <a:rPr lang="en-US" dirty="0"/>
-              <a:t>project group should </a:t>
-            </a:r>
-            <a:r>
-              <a:rPr lang="en-US" dirty="0" smtClean="0"/>
-              <a:t>not exceed 5 </a:t>
-            </a:r>
-            <a:r>
-              <a:rPr lang="en-US" dirty="0"/>
-              <a:t>students. </a:t>
-            </a:r>
-            <a:endParaRPr lang="en-US" dirty="0" smtClean="0"/>
+              <a:rPr lang="en-US" dirty="0"/>
+              <a:t>The project group should not exceed 5 students. </a:t>
+            </a:r>
           </a:p>
           <a:p>
             <a:pPr>
@@ -7468,12 +8368,8 @@
               </a:lnSpc>
             </a:pPr>
             <a:r>
-              <a:rPr lang="en-US" dirty="0" smtClean="0"/>
-              <a:t>The </a:t>
-            </a:r>
-            <a:r>
-              <a:rPr lang="en-US" dirty="0"/>
-              <a:t>project should be feasible and the size of the project should fit the designated time and the available resources.</a:t>
+              <a:rPr lang="en-US" dirty="0"/>
+              <a:t>The project should be feasible and the size of the project should fit the designated time and the available resources.</a:t>
             </a:r>
           </a:p>
         </p:txBody>
@@ -7512,13 +8408,6 @@
   <p:clrMapOvr>
     <a:masterClrMapping/>
   </p:clrMapOvr>
-  <p:timing>
-    <p:tnLst>
-      <p:par>
-        <p:cTn id="1" dur="indefinite" restart="never" nodeType="tmRoot"/>
-      </p:par>
-    </p:tnLst>
-  </p:timing>
 </p:sld>
 </file>
 
@@ -7555,10 +8444,9 @@
           <a:lstStyle/>
           <a:p>
             <a:r>
-              <a:rPr lang="en-US" dirty="0" smtClean="0"/>
+              <a:rPr lang="en-US" dirty="0"/>
               <a:t>Project Ideas</a:t>
             </a:r>
-            <a:endParaRPr lang="en-US" dirty="0"/>
           </a:p>
         </p:txBody>
       </p:sp>
@@ -7652,7 +8540,7 @@
           <a:p>
             <a:r>
               <a:rPr lang="en-US" dirty="0"/>
-              <a:t>Course Analytics and Reporting System</a:t>
+              <a:t>Project Ideas</a:t>
             </a:r>
           </a:p>
         </p:txBody>
@@ -7674,22 +8562,46 @@
           <a:p>
             <a:r>
               <a:rPr lang="en-US" dirty="0"/>
-              <a:t>The goal of this project is to develop a software system that extracts course information from various systems, such as learning management systems, student information systems, and assessment platforms, and produces a comprehensive course report that highlights the course achievements, what worked, what did not work, and identifies areas of improvement. </a:t>
-            </a:r>
-            <a:endParaRPr lang="en-US" dirty="0" smtClean="0"/>
-          </a:p>
-          <a:p>
-            <a:r>
-              <a:rPr lang="en-US" dirty="0" smtClean="0"/>
-              <a:t>The </a:t>
-            </a:r>
-            <a:r>
-              <a:rPr lang="en-US" dirty="0"/>
-              <a:t>system should provide instructors, administrators, and students with valuable insights into the course's effectiveness and help them make data-driven decisions to improve the course.</a:t>
-            </a:r>
-          </a:p>
-          <a:p>
-            <a:endParaRPr lang="en-US" dirty="0"/>
+              <a:t>Fraud detection system</a:t>
+            </a:r>
+          </a:p>
+          <a:p>
+            <a:r>
+              <a:rPr lang="en-US" dirty="0"/>
+              <a:t>Financial planning and investment advisory</a:t>
+            </a:r>
+          </a:p>
+          <a:p>
+            <a:r>
+              <a:rPr lang="en-US" dirty="0" err="1"/>
+              <a:t>Akaunting</a:t>
+            </a:r>
+            <a:r>
+              <a:rPr lang="en-US" dirty="0"/>
+              <a:t> Saudization</a:t>
+            </a:r>
+          </a:p>
+          <a:p>
+            <a:r>
+              <a:rPr lang="en-US" b="0" i="0" dirty="0" err="1">
+                <a:solidFill>
+                  <a:srgbClr val="000000"/>
+                </a:solidFill>
+                <a:effectLst/>
+                <a:latin typeface="-apple-system"/>
+              </a:rPr>
+              <a:t>SuiteCRM</a:t>
+            </a:r>
+            <a:r>
+              <a:rPr lang="en-US" dirty="0"/>
+              <a:t> Saudization</a:t>
+            </a:r>
+          </a:p>
+          <a:p>
+            <a:r>
+              <a:rPr lang="en-US" dirty="0"/>
+              <a:t>Collaboration and management tool</a:t>
+            </a:r>
           </a:p>
         </p:txBody>
       </p:sp>
@@ -7749,7 +8661,13 @@
       </p:grpSpPr>
       <p:sp>
         <p:nvSpPr>
-          <p:cNvPr id="2" name="Title 1"/>
+          <p:cNvPr id="2" name="Title 1">
+            <a:extLst>
+              <a:ext uri="{FF2B5EF4-FFF2-40B4-BE49-F238E27FC236}">
+                <a16:creationId xmlns:a16="http://schemas.microsoft.com/office/drawing/2014/main" id="{F82A5DB0-E59C-488F-DB48-120F89FB5E3A}"/>
+              </a:ext>
+            </a:extLst>
+          </p:cNvPr>
           <p:cNvSpPr>
             <a:spLocks noGrp="1"/>
           </p:cNvSpPr>
@@ -7764,14 +8682,20 @@
           <a:p>
             <a:r>
               <a:rPr lang="en-US" dirty="0"/>
-              <a:t>Course Analytics and Reporting System</a:t>
-            </a:r>
-          </a:p>
-        </p:txBody>
-      </p:sp>
-      <p:sp>
-        <p:nvSpPr>
-          <p:cNvPr id="3" name="Content Placeholder 2"/>
+              <a:t>Fraud detection system</a:t>
+            </a:r>
+          </a:p>
+        </p:txBody>
+      </p:sp>
+      <p:sp>
+        <p:nvSpPr>
+          <p:cNvPr id="3" name="Content Placeholder 2">
+            <a:extLst>
+              <a:ext uri="{FF2B5EF4-FFF2-40B4-BE49-F238E27FC236}">
+                <a16:creationId xmlns:a16="http://schemas.microsoft.com/office/drawing/2014/main" id="{81623251-174F-B456-19B6-3751C4412949}"/>
+              </a:ext>
+            </a:extLst>
+          </p:cNvPr>
           <p:cNvSpPr>
             <a:spLocks noGrp="1"/>
           </p:cNvSpPr>
@@ -7781,76 +8705,31 @@
         </p:nvSpPr>
         <p:spPr/>
         <p:txBody>
-          <a:bodyPr>
-            <a:normAutofit/>
-          </a:bodyPr>
-          <a:lstStyle/>
-          <a:p>
-            <a:r>
-              <a:rPr lang="en-US" dirty="0"/>
-              <a:t>The system should be able to extract the following information from various systems:</a:t>
-            </a:r>
-          </a:p>
-          <a:p>
-            <a:pPr marL="914400" lvl="1" indent="-457200">
-              <a:buFont typeface="+mj-lt"/>
-              <a:buAutoNum type="arabicPeriod"/>
-            </a:pPr>
-            <a:r>
-              <a:rPr lang="en-US" dirty="0" smtClean="0"/>
-              <a:t>Learning outcomes</a:t>
-            </a:r>
-            <a:endParaRPr lang="en-US" dirty="0"/>
-          </a:p>
-          <a:p>
-            <a:pPr marL="914400" lvl="1" indent="-457200">
-              <a:buFont typeface="+mj-lt"/>
-              <a:buAutoNum type="arabicPeriod"/>
-            </a:pPr>
-            <a:r>
-              <a:rPr lang="en-US" dirty="0" smtClean="0"/>
-              <a:t>Topics</a:t>
-            </a:r>
-            <a:endParaRPr lang="en-US" dirty="0"/>
-          </a:p>
-          <a:p>
-            <a:pPr marL="914400" lvl="1" indent="-457200">
-              <a:buFont typeface="+mj-lt"/>
-              <a:buAutoNum type="arabicPeriod"/>
-            </a:pPr>
-            <a:r>
-              <a:rPr lang="en-US" dirty="0" smtClean="0"/>
-              <a:t>Survey results</a:t>
-            </a:r>
-            <a:endParaRPr lang="en-US" dirty="0"/>
-          </a:p>
-          <a:p>
-            <a:pPr marL="914400" lvl="1" indent="-457200">
-              <a:buFont typeface="+mj-lt"/>
-              <a:buAutoNum type="arabicPeriod"/>
-            </a:pPr>
-            <a:r>
-              <a:rPr lang="en-US" dirty="0" smtClean="0"/>
-              <a:t>Assessment results</a:t>
-            </a:r>
-            <a:endParaRPr lang="en-US" dirty="0"/>
-          </a:p>
-          <a:p>
-            <a:pPr marL="914400" lvl="1" indent="-457200">
-              <a:buFont typeface="+mj-lt"/>
-              <a:buAutoNum type="arabicPeriod"/>
-            </a:pPr>
-            <a:r>
-              <a:rPr lang="en-US" dirty="0" smtClean="0"/>
-              <a:t>Grades</a:t>
-            </a:r>
-            <a:endParaRPr lang="en-US" dirty="0"/>
-          </a:p>
-        </p:txBody>
-      </p:sp>
-      <p:sp>
-        <p:nvSpPr>
-          <p:cNvPr id="4" name="Slide Number Placeholder 3"/>
+          <a:bodyPr/>
+          <a:lstStyle/>
+          <a:p>
+            <a:r>
+              <a:rPr lang="en-US" dirty="0"/>
+              <a:t>The system is designed to detect potential fraudulent transactions using machine learning algorithms and open banking data. </a:t>
+            </a:r>
+          </a:p>
+          <a:p>
+            <a:r>
+              <a:rPr lang="en-US" dirty="0"/>
+              <a:t>The system will be trained on historical data and will be able to identify patterns and anomalies in real-time transactions.</a:t>
+            </a:r>
+          </a:p>
+        </p:txBody>
+      </p:sp>
+      <p:sp>
+        <p:nvSpPr>
+          <p:cNvPr id="4" name="Slide Number Placeholder 3">
+            <a:extLst>
+              <a:ext uri="{FF2B5EF4-FFF2-40B4-BE49-F238E27FC236}">
+                <a16:creationId xmlns:a16="http://schemas.microsoft.com/office/drawing/2014/main" id="{D3CDA84C-60F3-841C-05A9-47D548843325}"/>
+              </a:ext>
+            </a:extLst>
+          </p:cNvPr>
           <p:cNvSpPr>
             <a:spLocks noGrp="1"/>
           </p:cNvSpPr>
@@ -7875,7 +8754,7 @@
     </p:spTree>
     <p:extLst>
       <p:ext uri="{BB962C8B-B14F-4D97-AF65-F5344CB8AC3E}">
-        <p14:creationId xmlns:p14="http://schemas.microsoft.com/office/powerpoint/2010/main" val="3601174861"/>
+        <p14:creationId xmlns:p14="http://schemas.microsoft.com/office/powerpoint/2010/main" val="4156394591"/>
       </p:ext>
     </p:extLst>
   </p:cSld>
